--- a/RA-L Hetro Sensors/pictures/shotgather_auto_drop.pptx
+++ b/RA-L Hetro Sensors/pictures/shotgather_auto_drop.pptx
@@ -2,12 +2,12 @@
 <file path=ppt/presentation.xml><?xml version="1.0" encoding="utf-8"?>
 <p:presentation xmlns:a="http://schemas.openxmlformats.org/drawingml/2006/main" xmlns:r="http://schemas.openxmlformats.org/officeDocument/2006/relationships" xmlns:p="http://schemas.openxmlformats.org/presentationml/2006/main" saveSubsetFonts="1">
   <p:sldMasterIdLst>
-    <p:sldMasterId id="2147483708" r:id="rId1"/>
+    <p:sldMasterId id="2147483732" r:id="rId1"/>
   </p:sldMasterIdLst>
   <p:sldIdLst>
     <p:sldId id="256" r:id="rId2"/>
   </p:sldIdLst>
-  <p:sldSz cx="5943600" cy="10790238"/>
+  <p:sldSz cx="6308725" cy="9875838"/>
   <p:notesSz cx="6858000" cy="9144000"/>
   <p:defaultTextStyle>
     <a:defPPr>
@@ -141,15 +141,15 @@
         </p:nvSpPr>
         <p:spPr>
           <a:xfrm>
-            <a:off x="445770" y="1765903"/>
-            <a:ext cx="5052060" cy="3756601"/>
+            <a:off x="473155" y="1616255"/>
+            <a:ext cx="5362416" cy="3438255"/>
           </a:xfrm>
         </p:spPr>
         <p:txBody>
           <a:bodyPr anchor="b"/>
           <a:lstStyle>
             <a:lvl1pPr algn="ctr">
-              <a:defRPr sz="3900"/>
+              <a:defRPr sz="4139"/>
             </a:lvl1pPr>
           </a:lstStyle>
           <a:p>
@@ -173,8 +173,8 @@
         </p:nvSpPr>
         <p:spPr>
           <a:xfrm>
-            <a:off x="742950" y="5667374"/>
-            <a:ext cx="4457700" cy="2605142"/>
+            <a:off x="788591" y="5187102"/>
+            <a:ext cx="4731544" cy="2384374"/>
           </a:xfrm>
         </p:spPr>
         <p:txBody>
@@ -182,39 +182,39 @@
           <a:lstStyle>
             <a:lvl1pPr marL="0" indent="0" algn="ctr">
               <a:buNone/>
-              <a:defRPr sz="1560"/>
+              <a:defRPr sz="1656"/>
             </a:lvl1pPr>
-            <a:lvl2pPr marL="297180" indent="0" algn="ctr">
-              <a:buNone/>
-              <a:defRPr sz="1300"/>
+            <a:lvl2pPr marL="315422" indent="0" algn="ctr">
+              <a:buNone/>
+              <a:defRPr sz="1380"/>
             </a:lvl2pPr>
-            <a:lvl3pPr marL="594360" indent="0" algn="ctr">
-              <a:buNone/>
-              <a:defRPr sz="1170"/>
+            <a:lvl3pPr marL="630845" indent="0" algn="ctr">
+              <a:buNone/>
+              <a:defRPr sz="1242"/>
             </a:lvl3pPr>
-            <a:lvl4pPr marL="891540" indent="0" algn="ctr">
-              <a:buNone/>
-              <a:defRPr sz="1040"/>
+            <a:lvl4pPr marL="946267" indent="0" algn="ctr">
+              <a:buNone/>
+              <a:defRPr sz="1104"/>
             </a:lvl4pPr>
-            <a:lvl5pPr marL="1188720" indent="0" algn="ctr">
-              <a:buNone/>
-              <a:defRPr sz="1040"/>
+            <a:lvl5pPr marL="1261689" indent="0" algn="ctr">
+              <a:buNone/>
+              <a:defRPr sz="1104"/>
             </a:lvl5pPr>
-            <a:lvl6pPr marL="1485900" indent="0" algn="ctr">
-              <a:buNone/>
-              <a:defRPr sz="1040"/>
+            <a:lvl6pPr marL="1577111" indent="0" algn="ctr">
+              <a:buNone/>
+              <a:defRPr sz="1104"/>
             </a:lvl6pPr>
-            <a:lvl7pPr marL="1783080" indent="0" algn="ctr">
-              <a:buNone/>
-              <a:defRPr sz="1040"/>
+            <a:lvl7pPr marL="1892534" indent="0" algn="ctr">
+              <a:buNone/>
+              <a:defRPr sz="1104"/>
             </a:lvl7pPr>
-            <a:lvl8pPr marL="2080260" indent="0" algn="ctr">
-              <a:buNone/>
-              <a:defRPr sz="1040"/>
+            <a:lvl8pPr marL="2207956" indent="0" algn="ctr">
+              <a:buNone/>
+              <a:defRPr sz="1104"/>
             </a:lvl8pPr>
-            <a:lvl9pPr marL="2377440" indent="0" algn="ctr">
-              <a:buNone/>
-              <a:defRPr sz="1040"/>
+            <a:lvl9pPr marL="2523378" indent="0" algn="ctr">
+              <a:buNone/>
+              <a:defRPr sz="1104"/>
             </a:lvl9pPr>
           </a:lstStyle>
           <a:p>
@@ -243,7 +243,7 @@
           <a:p>
             <a:fld id="{B40AC1E3-6098-4FC5-AB3B-96AF947B43B2}" type="datetimeFigureOut">
               <a:rPr lang="en-US" smtClean="0"/>
-              <a:t>9/6/2016</a:t>
+              <a:t>9/7/2016</a:t>
             </a:fld>
             <a:endParaRPr lang="en-US"/>
           </a:p>
@@ -294,7 +294,7 @@
     </p:spTree>
     <p:extLst>
       <p:ext uri="{BB962C8B-B14F-4D97-AF65-F5344CB8AC3E}">
-        <p14:creationId xmlns:p14="http://schemas.microsoft.com/office/powerpoint/2010/main" val="3260583570"/>
+        <p14:creationId xmlns:p14="http://schemas.microsoft.com/office/powerpoint/2010/main" val="1391382174"/>
       </p:ext>
     </p:extLst>
   </p:cSld>
@@ -413,7 +413,7 @@
           <a:p>
             <a:fld id="{B40AC1E3-6098-4FC5-AB3B-96AF947B43B2}" type="datetimeFigureOut">
               <a:rPr lang="en-US" smtClean="0"/>
-              <a:t>9/6/2016</a:t>
+              <a:t>9/7/2016</a:t>
             </a:fld>
             <a:endParaRPr lang="en-US"/>
           </a:p>
@@ -464,7 +464,7 @@
     </p:spTree>
     <p:extLst>
       <p:ext uri="{BB962C8B-B14F-4D97-AF65-F5344CB8AC3E}">
-        <p14:creationId xmlns:p14="http://schemas.microsoft.com/office/powerpoint/2010/main" val="1939326740"/>
+        <p14:creationId xmlns:p14="http://schemas.microsoft.com/office/powerpoint/2010/main" val="2791320513"/>
       </p:ext>
     </p:extLst>
   </p:cSld>
@@ -503,8 +503,8 @@
         </p:nvSpPr>
         <p:spPr>
           <a:xfrm>
-            <a:off x="4253389" y="574480"/>
-            <a:ext cx="1281589" cy="9144228"/>
+            <a:off x="4514682" y="525797"/>
+            <a:ext cx="1360319" cy="8369316"/>
           </a:xfrm>
         </p:spPr>
         <p:txBody>
@@ -531,8 +531,8 @@
         </p:nvSpPr>
         <p:spPr>
           <a:xfrm>
-            <a:off x="408623" y="574480"/>
-            <a:ext cx="3770471" cy="9144228"/>
+            <a:off x="433725" y="525797"/>
+            <a:ext cx="4002097" cy="8369316"/>
           </a:xfrm>
         </p:spPr>
         <p:txBody>
@@ -593,7 +593,7 @@
           <a:p>
             <a:fld id="{B40AC1E3-6098-4FC5-AB3B-96AF947B43B2}" type="datetimeFigureOut">
               <a:rPr lang="en-US" smtClean="0"/>
-              <a:t>9/6/2016</a:t>
+              <a:t>9/7/2016</a:t>
             </a:fld>
             <a:endParaRPr lang="en-US"/>
           </a:p>
@@ -644,7 +644,7 @@
     </p:spTree>
     <p:extLst>
       <p:ext uri="{BB962C8B-B14F-4D97-AF65-F5344CB8AC3E}">
-        <p14:creationId xmlns:p14="http://schemas.microsoft.com/office/powerpoint/2010/main" val="537332529"/>
+        <p14:creationId xmlns:p14="http://schemas.microsoft.com/office/powerpoint/2010/main" val="1009518722"/>
       </p:ext>
     </p:extLst>
   </p:cSld>
@@ -763,7 +763,7 @@
           <a:p>
             <a:fld id="{B40AC1E3-6098-4FC5-AB3B-96AF947B43B2}" type="datetimeFigureOut">
               <a:rPr lang="en-US" smtClean="0"/>
-              <a:t>9/6/2016</a:t>
+              <a:t>9/7/2016</a:t>
             </a:fld>
             <a:endParaRPr lang="en-US"/>
           </a:p>
@@ -814,7 +814,7 @@
     </p:spTree>
     <p:extLst>
       <p:ext uri="{BB962C8B-B14F-4D97-AF65-F5344CB8AC3E}">
-        <p14:creationId xmlns:p14="http://schemas.microsoft.com/office/powerpoint/2010/main" val="3117892431"/>
+        <p14:creationId xmlns:p14="http://schemas.microsoft.com/office/powerpoint/2010/main" val="3402632023"/>
       </p:ext>
     </p:extLst>
   </p:cSld>
@@ -853,15 +853,15 @@
         </p:nvSpPr>
         <p:spPr>
           <a:xfrm>
-            <a:off x="405527" y="2690070"/>
-            <a:ext cx="5126355" cy="4488438"/>
+            <a:off x="430440" y="2462104"/>
+            <a:ext cx="5441275" cy="4108074"/>
           </a:xfrm>
         </p:spPr>
         <p:txBody>
           <a:bodyPr anchor="b"/>
           <a:lstStyle>
             <a:lvl1pPr>
-              <a:defRPr sz="3900"/>
+              <a:defRPr sz="4139"/>
             </a:lvl1pPr>
           </a:lstStyle>
           <a:p>
@@ -885,8 +885,8 @@
         </p:nvSpPr>
         <p:spPr>
           <a:xfrm>
-            <a:off x="405527" y="7220970"/>
-            <a:ext cx="5126355" cy="2360364"/>
+            <a:off x="430440" y="6609042"/>
+            <a:ext cx="5441275" cy="2160339"/>
           </a:xfrm>
         </p:spPr>
         <p:txBody>
@@ -894,15 +894,15 @@
           <a:lstStyle>
             <a:lvl1pPr marL="0" indent="0">
               <a:buNone/>
-              <a:defRPr sz="1560">
+              <a:defRPr sz="1656">
                 <a:solidFill>
                   <a:schemeClr val="tx1"/>
                 </a:solidFill>
               </a:defRPr>
             </a:lvl1pPr>
-            <a:lvl2pPr marL="297180" indent="0">
-              <a:buNone/>
-              <a:defRPr sz="1300">
+            <a:lvl2pPr marL="315422" indent="0">
+              <a:buNone/>
+              <a:defRPr sz="1380">
                 <a:solidFill>
                   <a:schemeClr val="tx1">
                     <a:tint val="75000"/>
@@ -910,9 +910,9 @@
                 </a:solidFill>
               </a:defRPr>
             </a:lvl2pPr>
-            <a:lvl3pPr marL="594360" indent="0">
-              <a:buNone/>
-              <a:defRPr sz="1170">
+            <a:lvl3pPr marL="630845" indent="0">
+              <a:buNone/>
+              <a:defRPr sz="1242">
                 <a:solidFill>
                   <a:schemeClr val="tx1">
                     <a:tint val="75000"/>
@@ -920,9 +920,9 @@
                 </a:solidFill>
               </a:defRPr>
             </a:lvl3pPr>
-            <a:lvl4pPr marL="891540" indent="0">
-              <a:buNone/>
-              <a:defRPr sz="1040">
+            <a:lvl4pPr marL="946267" indent="0">
+              <a:buNone/>
+              <a:defRPr sz="1104">
                 <a:solidFill>
                   <a:schemeClr val="tx1">
                     <a:tint val="75000"/>
@@ -930,9 +930,9 @@
                 </a:solidFill>
               </a:defRPr>
             </a:lvl4pPr>
-            <a:lvl5pPr marL="1188720" indent="0">
-              <a:buNone/>
-              <a:defRPr sz="1040">
+            <a:lvl5pPr marL="1261689" indent="0">
+              <a:buNone/>
+              <a:defRPr sz="1104">
                 <a:solidFill>
                   <a:schemeClr val="tx1">
                     <a:tint val="75000"/>
@@ -940,9 +940,9 @@
                 </a:solidFill>
               </a:defRPr>
             </a:lvl5pPr>
-            <a:lvl6pPr marL="1485900" indent="0">
-              <a:buNone/>
-              <a:defRPr sz="1040">
+            <a:lvl6pPr marL="1577111" indent="0">
+              <a:buNone/>
+              <a:defRPr sz="1104">
                 <a:solidFill>
                   <a:schemeClr val="tx1">
                     <a:tint val="75000"/>
@@ -950,9 +950,9 @@
                 </a:solidFill>
               </a:defRPr>
             </a:lvl6pPr>
-            <a:lvl7pPr marL="1783080" indent="0">
-              <a:buNone/>
-              <a:defRPr sz="1040">
+            <a:lvl7pPr marL="1892534" indent="0">
+              <a:buNone/>
+              <a:defRPr sz="1104">
                 <a:solidFill>
                   <a:schemeClr val="tx1">
                     <a:tint val="75000"/>
@@ -960,9 +960,9 @@
                 </a:solidFill>
               </a:defRPr>
             </a:lvl7pPr>
-            <a:lvl8pPr marL="2080260" indent="0">
-              <a:buNone/>
-              <a:defRPr sz="1040">
+            <a:lvl8pPr marL="2207956" indent="0">
+              <a:buNone/>
+              <a:defRPr sz="1104">
                 <a:solidFill>
                   <a:schemeClr val="tx1">
                     <a:tint val="75000"/>
@@ -970,9 +970,9 @@
                 </a:solidFill>
               </a:defRPr>
             </a:lvl8pPr>
-            <a:lvl9pPr marL="2377440" indent="0">
-              <a:buNone/>
-              <a:defRPr sz="1040">
+            <a:lvl9pPr marL="2523378" indent="0">
+              <a:buNone/>
+              <a:defRPr sz="1104">
                 <a:solidFill>
                   <a:schemeClr val="tx1">
                     <a:tint val="75000"/>
@@ -1007,7 +1007,7 @@
           <a:p>
             <a:fld id="{B40AC1E3-6098-4FC5-AB3B-96AF947B43B2}" type="datetimeFigureOut">
               <a:rPr lang="en-US" smtClean="0"/>
-              <a:t>9/6/2016</a:t>
+              <a:t>9/7/2016</a:t>
             </a:fld>
             <a:endParaRPr lang="en-US"/>
           </a:p>
@@ -1058,7 +1058,7 @@
     </p:spTree>
     <p:extLst>
       <p:ext uri="{BB962C8B-B14F-4D97-AF65-F5344CB8AC3E}">
-        <p14:creationId xmlns:p14="http://schemas.microsoft.com/office/powerpoint/2010/main" val="262963028"/>
+        <p14:creationId xmlns:p14="http://schemas.microsoft.com/office/powerpoint/2010/main" val="856878607"/>
       </p:ext>
     </p:extLst>
   </p:cSld>
@@ -1120,8 +1120,8 @@
         </p:nvSpPr>
         <p:spPr>
           <a:xfrm>
-            <a:off x="408623" y="2872401"/>
-            <a:ext cx="2526030" cy="6846307"/>
+            <a:off x="433725" y="2628985"/>
+            <a:ext cx="2681208" cy="6266128"/>
           </a:xfrm>
         </p:spPr>
         <p:txBody>
@@ -1177,8 +1177,8 @@
         </p:nvSpPr>
         <p:spPr>
           <a:xfrm>
-            <a:off x="3008948" y="2872401"/>
-            <a:ext cx="2526030" cy="6846307"/>
+            <a:off x="3193792" y="2628985"/>
+            <a:ext cx="2681208" cy="6266128"/>
           </a:xfrm>
         </p:spPr>
         <p:txBody>
@@ -1239,7 +1239,7 @@
           <a:p>
             <a:fld id="{B40AC1E3-6098-4FC5-AB3B-96AF947B43B2}" type="datetimeFigureOut">
               <a:rPr lang="en-US" smtClean="0"/>
-              <a:t>9/6/2016</a:t>
+              <a:t>9/7/2016</a:t>
             </a:fld>
             <a:endParaRPr lang="en-US"/>
           </a:p>
@@ -1290,7 +1290,7 @@
     </p:spTree>
     <p:extLst>
       <p:ext uri="{BB962C8B-B14F-4D97-AF65-F5344CB8AC3E}">
-        <p14:creationId xmlns:p14="http://schemas.microsoft.com/office/powerpoint/2010/main" val="119018890"/>
+        <p14:creationId xmlns:p14="http://schemas.microsoft.com/office/powerpoint/2010/main" val="1699115965"/>
       </p:ext>
     </p:extLst>
   </p:cSld>
@@ -1329,8 +1329,8 @@
         </p:nvSpPr>
         <p:spPr>
           <a:xfrm>
-            <a:off x="409397" y="574483"/>
-            <a:ext cx="5126355" cy="2085614"/>
+            <a:off x="434547" y="525799"/>
+            <a:ext cx="5441275" cy="1908872"/>
           </a:xfrm>
         </p:spPr>
         <p:txBody>
@@ -1357,8 +1357,8 @@
         </p:nvSpPr>
         <p:spPr>
           <a:xfrm>
-            <a:off x="409397" y="2645108"/>
-            <a:ext cx="2514421" cy="1296326"/>
+            <a:off x="434547" y="2420953"/>
+            <a:ext cx="2668886" cy="1186471"/>
           </a:xfrm>
         </p:spPr>
         <p:txBody>
@@ -1366,39 +1366,39 @@
           <a:lstStyle>
             <a:lvl1pPr marL="0" indent="0">
               <a:buNone/>
-              <a:defRPr sz="1560" b="1"/>
+              <a:defRPr sz="1656" b="1"/>
             </a:lvl1pPr>
-            <a:lvl2pPr marL="297180" indent="0">
-              <a:buNone/>
-              <a:defRPr sz="1300" b="1"/>
+            <a:lvl2pPr marL="315422" indent="0">
+              <a:buNone/>
+              <a:defRPr sz="1380" b="1"/>
             </a:lvl2pPr>
-            <a:lvl3pPr marL="594360" indent="0">
-              <a:buNone/>
-              <a:defRPr sz="1170" b="1"/>
+            <a:lvl3pPr marL="630845" indent="0">
+              <a:buNone/>
+              <a:defRPr sz="1242" b="1"/>
             </a:lvl3pPr>
-            <a:lvl4pPr marL="891540" indent="0">
-              <a:buNone/>
-              <a:defRPr sz="1040" b="1"/>
+            <a:lvl4pPr marL="946267" indent="0">
+              <a:buNone/>
+              <a:defRPr sz="1104" b="1"/>
             </a:lvl4pPr>
-            <a:lvl5pPr marL="1188720" indent="0">
-              <a:buNone/>
-              <a:defRPr sz="1040" b="1"/>
+            <a:lvl5pPr marL="1261689" indent="0">
+              <a:buNone/>
+              <a:defRPr sz="1104" b="1"/>
             </a:lvl5pPr>
-            <a:lvl6pPr marL="1485900" indent="0">
-              <a:buNone/>
-              <a:defRPr sz="1040" b="1"/>
+            <a:lvl6pPr marL="1577111" indent="0">
+              <a:buNone/>
+              <a:defRPr sz="1104" b="1"/>
             </a:lvl6pPr>
-            <a:lvl7pPr marL="1783080" indent="0">
-              <a:buNone/>
-              <a:defRPr sz="1040" b="1"/>
+            <a:lvl7pPr marL="1892534" indent="0">
+              <a:buNone/>
+              <a:defRPr sz="1104" b="1"/>
             </a:lvl7pPr>
-            <a:lvl8pPr marL="2080260" indent="0">
-              <a:buNone/>
-              <a:defRPr sz="1040" b="1"/>
+            <a:lvl8pPr marL="2207956" indent="0">
+              <a:buNone/>
+              <a:defRPr sz="1104" b="1"/>
             </a:lvl8pPr>
-            <a:lvl9pPr marL="2377440" indent="0">
-              <a:buNone/>
-              <a:defRPr sz="1040" b="1"/>
+            <a:lvl9pPr marL="2523378" indent="0">
+              <a:buNone/>
+              <a:defRPr sz="1104" b="1"/>
             </a:lvl9pPr>
           </a:lstStyle>
           <a:p>
@@ -1422,8 +1422,8 @@
         </p:nvSpPr>
         <p:spPr>
           <a:xfrm>
-            <a:off x="409397" y="3941434"/>
-            <a:ext cx="2514421" cy="5797256"/>
+            <a:off x="434547" y="3607424"/>
+            <a:ext cx="2668886" cy="5305978"/>
           </a:xfrm>
         </p:spPr>
         <p:txBody>
@@ -1479,8 +1479,8 @@
         </p:nvSpPr>
         <p:spPr>
           <a:xfrm>
-            <a:off x="3008948" y="2645108"/>
-            <a:ext cx="2526804" cy="1296326"/>
+            <a:off x="3193792" y="2420953"/>
+            <a:ext cx="2682030" cy="1186471"/>
           </a:xfrm>
         </p:spPr>
         <p:txBody>
@@ -1488,39 +1488,39 @@
           <a:lstStyle>
             <a:lvl1pPr marL="0" indent="0">
               <a:buNone/>
-              <a:defRPr sz="1560" b="1"/>
+              <a:defRPr sz="1656" b="1"/>
             </a:lvl1pPr>
-            <a:lvl2pPr marL="297180" indent="0">
-              <a:buNone/>
-              <a:defRPr sz="1300" b="1"/>
+            <a:lvl2pPr marL="315422" indent="0">
+              <a:buNone/>
+              <a:defRPr sz="1380" b="1"/>
             </a:lvl2pPr>
-            <a:lvl3pPr marL="594360" indent="0">
-              <a:buNone/>
-              <a:defRPr sz="1170" b="1"/>
+            <a:lvl3pPr marL="630845" indent="0">
+              <a:buNone/>
+              <a:defRPr sz="1242" b="1"/>
             </a:lvl3pPr>
-            <a:lvl4pPr marL="891540" indent="0">
-              <a:buNone/>
-              <a:defRPr sz="1040" b="1"/>
+            <a:lvl4pPr marL="946267" indent="0">
+              <a:buNone/>
+              <a:defRPr sz="1104" b="1"/>
             </a:lvl4pPr>
-            <a:lvl5pPr marL="1188720" indent="0">
-              <a:buNone/>
-              <a:defRPr sz="1040" b="1"/>
+            <a:lvl5pPr marL="1261689" indent="0">
+              <a:buNone/>
+              <a:defRPr sz="1104" b="1"/>
             </a:lvl5pPr>
-            <a:lvl6pPr marL="1485900" indent="0">
-              <a:buNone/>
-              <a:defRPr sz="1040" b="1"/>
+            <a:lvl6pPr marL="1577111" indent="0">
+              <a:buNone/>
+              <a:defRPr sz="1104" b="1"/>
             </a:lvl6pPr>
-            <a:lvl7pPr marL="1783080" indent="0">
-              <a:buNone/>
-              <a:defRPr sz="1040" b="1"/>
+            <a:lvl7pPr marL="1892534" indent="0">
+              <a:buNone/>
+              <a:defRPr sz="1104" b="1"/>
             </a:lvl7pPr>
-            <a:lvl8pPr marL="2080260" indent="0">
-              <a:buNone/>
-              <a:defRPr sz="1040" b="1"/>
+            <a:lvl8pPr marL="2207956" indent="0">
+              <a:buNone/>
+              <a:defRPr sz="1104" b="1"/>
             </a:lvl8pPr>
-            <a:lvl9pPr marL="2377440" indent="0">
-              <a:buNone/>
-              <a:defRPr sz="1040" b="1"/>
+            <a:lvl9pPr marL="2523378" indent="0">
+              <a:buNone/>
+              <a:defRPr sz="1104" b="1"/>
             </a:lvl9pPr>
           </a:lstStyle>
           <a:p>
@@ -1544,8 +1544,8 @@
         </p:nvSpPr>
         <p:spPr>
           <a:xfrm>
-            <a:off x="3008948" y="3941434"/>
-            <a:ext cx="2526804" cy="5797256"/>
+            <a:off x="3193792" y="3607424"/>
+            <a:ext cx="2682030" cy="5305978"/>
           </a:xfrm>
         </p:spPr>
         <p:txBody>
@@ -1606,7 +1606,7 @@
           <a:p>
             <a:fld id="{B40AC1E3-6098-4FC5-AB3B-96AF947B43B2}" type="datetimeFigureOut">
               <a:rPr lang="en-US" smtClean="0"/>
-              <a:t>9/6/2016</a:t>
+              <a:t>9/7/2016</a:t>
             </a:fld>
             <a:endParaRPr lang="en-US"/>
           </a:p>
@@ -1657,7 +1657,7 @@
     </p:spTree>
     <p:extLst>
       <p:ext uri="{BB962C8B-B14F-4D97-AF65-F5344CB8AC3E}">
-        <p14:creationId xmlns:p14="http://schemas.microsoft.com/office/powerpoint/2010/main" val="806372479"/>
+        <p14:creationId xmlns:p14="http://schemas.microsoft.com/office/powerpoint/2010/main" val="369485348"/>
       </p:ext>
     </p:extLst>
   </p:cSld>
@@ -1724,7 +1724,7 @@
           <a:p>
             <a:fld id="{B40AC1E3-6098-4FC5-AB3B-96AF947B43B2}" type="datetimeFigureOut">
               <a:rPr lang="en-US" smtClean="0"/>
-              <a:t>9/6/2016</a:t>
+              <a:t>9/7/2016</a:t>
             </a:fld>
             <a:endParaRPr lang="en-US"/>
           </a:p>
@@ -1775,7 +1775,7 @@
     </p:spTree>
     <p:extLst>
       <p:ext uri="{BB962C8B-B14F-4D97-AF65-F5344CB8AC3E}">
-        <p14:creationId xmlns:p14="http://schemas.microsoft.com/office/powerpoint/2010/main" val="3522246266"/>
+        <p14:creationId xmlns:p14="http://schemas.microsoft.com/office/powerpoint/2010/main" val="975343433"/>
       </p:ext>
     </p:extLst>
   </p:cSld>
@@ -1819,7 +1819,7 @@
           <a:p>
             <a:fld id="{B40AC1E3-6098-4FC5-AB3B-96AF947B43B2}" type="datetimeFigureOut">
               <a:rPr lang="en-US" smtClean="0"/>
-              <a:t>9/6/2016</a:t>
+              <a:t>9/7/2016</a:t>
             </a:fld>
             <a:endParaRPr lang="en-US"/>
           </a:p>
@@ -1870,7 +1870,7 @@
     </p:spTree>
     <p:extLst>
       <p:ext uri="{BB962C8B-B14F-4D97-AF65-F5344CB8AC3E}">
-        <p14:creationId xmlns:p14="http://schemas.microsoft.com/office/powerpoint/2010/main" val="3488511796"/>
+        <p14:creationId xmlns:p14="http://schemas.microsoft.com/office/powerpoint/2010/main" val="3016972199"/>
       </p:ext>
     </p:extLst>
   </p:cSld>
@@ -1909,15 +1909,15 @@
         </p:nvSpPr>
         <p:spPr>
           <a:xfrm>
-            <a:off x="409397" y="719349"/>
-            <a:ext cx="1916966" cy="2517722"/>
+            <a:off x="434547" y="658389"/>
+            <a:ext cx="2034728" cy="2304362"/>
           </a:xfrm>
         </p:spPr>
         <p:txBody>
           <a:bodyPr anchor="b"/>
           <a:lstStyle>
             <a:lvl1pPr>
-              <a:defRPr sz="2080"/>
+              <a:defRPr sz="2208"/>
             </a:lvl1pPr>
           </a:lstStyle>
           <a:p>
@@ -1941,39 +1941,39 @@
         </p:nvSpPr>
         <p:spPr>
           <a:xfrm>
-            <a:off x="2526804" y="1553597"/>
-            <a:ext cx="3008948" cy="7668063"/>
+            <a:off x="2682030" y="1421940"/>
+            <a:ext cx="3193792" cy="7018246"/>
           </a:xfrm>
         </p:spPr>
         <p:txBody>
           <a:bodyPr/>
           <a:lstStyle>
             <a:lvl1pPr>
-              <a:defRPr sz="2080"/>
+              <a:defRPr sz="2208"/>
             </a:lvl1pPr>
             <a:lvl2pPr>
-              <a:defRPr sz="1820"/>
+              <a:defRPr sz="1932"/>
             </a:lvl2pPr>
             <a:lvl3pPr>
-              <a:defRPr sz="1560"/>
+              <a:defRPr sz="1656"/>
             </a:lvl3pPr>
             <a:lvl4pPr>
-              <a:defRPr sz="1300"/>
+              <a:defRPr sz="1380"/>
             </a:lvl4pPr>
             <a:lvl5pPr>
-              <a:defRPr sz="1300"/>
+              <a:defRPr sz="1380"/>
             </a:lvl5pPr>
             <a:lvl6pPr>
-              <a:defRPr sz="1300"/>
+              <a:defRPr sz="1380"/>
             </a:lvl6pPr>
             <a:lvl7pPr>
-              <a:defRPr sz="1300"/>
+              <a:defRPr sz="1380"/>
             </a:lvl7pPr>
             <a:lvl8pPr>
-              <a:defRPr sz="1300"/>
+              <a:defRPr sz="1380"/>
             </a:lvl8pPr>
             <a:lvl9pPr>
-              <a:defRPr sz="1300"/>
+              <a:defRPr sz="1380"/>
             </a:lvl9pPr>
           </a:lstStyle>
           <a:p>
@@ -2026,8 +2026,8 @@
         </p:nvSpPr>
         <p:spPr>
           <a:xfrm>
-            <a:off x="409397" y="3237071"/>
-            <a:ext cx="1916966" cy="5997075"/>
+            <a:off x="434547" y="2962752"/>
+            <a:ext cx="2034728" cy="5488863"/>
           </a:xfrm>
         </p:spPr>
         <p:txBody>
@@ -2035,39 +2035,39 @@
           <a:lstStyle>
             <a:lvl1pPr marL="0" indent="0">
               <a:buNone/>
-              <a:defRPr sz="1040"/>
+              <a:defRPr sz="1104"/>
             </a:lvl1pPr>
-            <a:lvl2pPr marL="297180" indent="0">
-              <a:buNone/>
-              <a:defRPr sz="910"/>
+            <a:lvl2pPr marL="315422" indent="0">
+              <a:buNone/>
+              <a:defRPr sz="966"/>
             </a:lvl2pPr>
-            <a:lvl3pPr marL="594360" indent="0">
-              <a:buNone/>
-              <a:defRPr sz="780"/>
+            <a:lvl3pPr marL="630845" indent="0">
+              <a:buNone/>
+              <a:defRPr sz="828"/>
             </a:lvl3pPr>
-            <a:lvl4pPr marL="891540" indent="0">
-              <a:buNone/>
-              <a:defRPr sz="650"/>
+            <a:lvl4pPr marL="946267" indent="0">
+              <a:buNone/>
+              <a:defRPr sz="690"/>
             </a:lvl4pPr>
-            <a:lvl5pPr marL="1188720" indent="0">
-              <a:buNone/>
-              <a:defRPr sz="650"/>
+            <a:lvl5pPr marL="1261689" indent="0">
+              <a:buNone/>
+              <a:defRPr sz="690"/>
             </a:lvl5pPr>
-            <a:lvl6pPr marL="1485900" indent="0">
-              <a:buNone/>
-              <a:defRPr sz="650"/>
+            <a:lvl6pPr marL="1577111" indent="0">
+              <a:buNone/>
+              <a:defRPr sz="690"/>
             </a:lvl6pPr>
-            <a:lvl7pPr marL="1783080" indent="0">
-              <a:buNone/>
-              <a:defRPr sz="650"/>
+            <a:lvl7pPr marL="1892534" indent="0">
+              <a:buNone/>
+              <a:defRPr sz="690"/>
             </a:lvl7pPr>
-            <a:lvl8pPr marL="2080260" indent="0">
-              <a:buNone/>
-              <a:defRPr sz="650"/>
+            <a:lvl8pPr marL="2207956" indent="0">
+              <a:buNone/>
+              <a:defRPr sz="690"/>
             </a:lvl8pPr>
-            <a:lvl9pPr marL="2377440" indent="0">
-              <a:buNone/>
-              <a:defRPr sz="650"/>
+            <a:lvl9pPr marL="2523378" indent="0">
+              <a:buNone/>
+              <a:defRPr sz="690"/>
             </a:lvl9pPr>
           </a:lstStyle>
           <a:p>
@@ -2096,7 +2096,7 @@
           <a:p>
             <a:fld id="{B40AC1E3-6098-4FC5-AB3B-96AF947B43B2}" type="datetimeFigureOut">
               <a:rPr lang="en-US" smtClean="0"/>
-              <a:t>9/6/2016</a:t>
+              <a:t>9/7/2016</a:t>
             </a:fld>
             <a:endParaRPr lang="en-US"/>
           </a:p>
@@ -2147,7 +2147,7 @@
     </p:spTree>
     <p:extLst>
       <p:ext uri="{BB962C8B-B14F-4D97-AF65-F5344CB8AC3E}">
-        <p14:creationId xmlns:p14="http://schemas.microsoft.com/office/powerpoint/2010/main" val="4252689883"/>
+        <p14:creationId xmlns:p14="http://schemas.microsoft.com/office/powerpoint/2010/main" val="2571718814"/>
       </p:ext>
     </p:extLst>
   </p:cSld>
@@ -2186,15 +2186,15 @@
         </p:nvSpPr>
         <p:spPr>
           <a:xfrm>
-            <a:off x="409397" y="719349"/>
-            <a:ext cx="1916966" cy="2517722"/>
+            <a:off x="434547" y="658389"/>
+            <a:ext cx="2034728" cy="2304362"/>
           </a:xfrm>
         </p:spPr>
         <p:txBody>
           <a:bodyPr anchor="b"/>
           <a:lstStyle>
             <a:lvl1pPr>
-              <a:defRPr sz="2080"/>
+              <a:defRPr sz="2208"/>
             </a:lvl1pPr>
           </a:lstStyle>
           <a:p>
@@ -2218,8 +2218,8 @@
         </p:nvSpPr>
         <p:spPr>
           <a:xfrm>
-            <a:off x="2526804" y="1553597"/>
-            <a:ext cx="3008948" cy="7668063"/>
+            <a:off x="2682030" y="1421940"/>
+            <a:ext cx="3193792" cy="7018246"/>
           </a:xfrm>
         </p:spPr>
         <p:txBody>
@@ -2227,39 +2227,39 @@
           <a:lstStyle>
             <a:lvl1pPr marL="0" indent="0">
               <a:buNone/>
-              <a:defRPr sz="2080"/>
+              <a:defRPr sz="2208"/>
             </a:lvl1pPr>
-            <a:lvl2pPr marL="297180" indent="0">
-              <a:buNone/>
-              <a:defRPr sz="1820"/>
+            <a:lvl2pPr marL="315422" indent="0">
+              <a:buNone/>
+              <a:defRPr sz="1932"/>
             </a:lvl2pPr>
-            <a:lvl3pPr marL="594360" indent="0">
-              <a:buNone/>
-              <a:defRPr sz="1560"/>
+            <a:lvl3pPr marL="630845" indent="0">
+              <a:buNone/>
+              <a:defRPr sz="1656"/>
             </a:lvl3pPr>
-            <a:lvl4pPr marL="891540" indent="0">
-              <a:buNone/>
-              <a:defRPr sz="1300"/>
+            <a:lvl4pPr marL="946267" indent="0">
+              <a:buNone/>
+              <a:defRPr sz="1380"/>
             </a:lvl4pPr>
-            <a:lvl5pPr marL="1188720" indent="0">
-              <a:buNone/>
-              <a:defRPr sz="1300"/>
+            <a:lvl5pPr marL="1261689" indent="0">
+              <a:buNone/>
+              <a:defRPr sz="1380"/>
             </a:lvl5pPr>
-            <a:lvl6pPr marL="1485900" indent="0">
-              <a:buNone/>
-              <a:defRPr sz="1300"/>
+            <a:lvl6pPr marL="1577111" indent="0">
+              <a:buNone/>
+              <a:defRPr sz="1380"/>
             </a:lvl6pPr>
-            <a:lvl7pPr marL="1783080" indent="0">
-              <a:buNone/>
-              <a:defRPr sz="1300"/>
+            <a:lvl7pPr marL="1892534" indent="0">
+              <a:buNone/>
+              <a:defRPr sz="1380"/>
             </a:lvl7pPr>
-            <a:lvl8pPr marL="2080260" indent="0">
-              <a:buNone/>
-              <a:defRPr sz="1300"/>
+            <a:lvl8pPr marL="2207956" indent="0">
+              <a:buNone/>
+              <a:defRPr sz="1380"/>
             </a:lvl8pPr>
-            <a:lvl9pPr marL="2377440" indent="0">
-              <a:buNone/>
-              <a:defRPr sz="1300"/>
+            <a:lvl9pPr marL="2523378" indent="0">
+              <a:buNone/>
+              <a:defRPr sz="1380"/>
             </a:lvl9pPr>
           </a:lstStyle>
           <a:p>
@@ -2283,8 +2283,8 @@
         </p:nvSpPr>
         <p:spPr>
           <a:xfrm>
-            <a:off x="409397" y="3237071"/>
-            <a:ext cx="1916966" cy="5997075"/>
+            <a:off x="434547" y="2962752"/>
+            <a:ext cx="2034728" cy="5488863"/>
           </a:xfrm>
         </p:spPr>
         <p:txBody>
@@ -2292,39 +2292,39 @@
           <a:lstStyle>
             <a:lvl1pPr marL="0" indent="0">
               <a:buNone/>
-              <a:defRPr sz="1040"/>
+              <a:defRPr sz="1104"/>
             </a:lvl1pPr>
-            <a:lvl2pPr marL="297180" indent="0">
-              <a:buNone/>
-              <a:defRPr sz="910"/>
+            <a:lvl2pPr marL="315422" indent="0">
+              <a:buNone/>
+              <a:defRPr sz="966"/>
             </a:lvl2pPr>
-            <a:lvl3pPr marL="594360" indent="0">
-              <a:buNone/>
-              <a:defRPr sz="780"/>
+            <a:lvl3pPr marL="630845" indent="0">
+              <a:buNone/>
+              <a:defRPr sz="828"/>
             </a:lvl3pPr>
-            <a:lvl4pPr marL="891540" indent="0">
-              <a:buNone/>
-              <a:defRPr sz="650"/>
+            <a:lvl4pPr marL="946267" indent="0">
+              <a:buNone/>
+              <a:defRPr sz="690"/>
             </a:lvl4pPr>
-            <a:lvl5pPr marL="1188720" indent="0">
-              <a:buNone/>
-              <a:defRPr sz="650"/>
+            <a:lvl5pPr marL="1261689" indent="0">
+              <a:buNone/>
+              <a:defRPr sz="690"/>
             </a:lvl5pPr>
-            <a:lvl6pPr marL="1485900" indent="0">
-              <a:buNone/>
-              <a:defRPr sz="650"/>
+            <a:lvl6pPr marL="1577111" indent="0">
+              <a:buNone/>
+              <a:defRPr sz="690"/>
             </a:lvl6pPr>
-            <a:lvl7pPr marL="1783080" indent="0">
-              <a:buNone/>
-              <a:defRPr sz="650"/>
+            <a:lvl7pPr marL="1892534" indent="0">
+              <a:buNone/>
+              <a:defRPr sz="690"/>
             </a:lvl7pPr>
-            <a:lvl8pPr marL="2080260" indent="0">
-              <a:buNone/>
-              <a:defRPr sz="650"/>
+            <a:lvl8pPr marL="2207956" indent="0">
+              <a:buNone/>
+              <a:defRPr sz="690"/>
             </a:lvl8pPr>
-            <a:lvl9pPr marL="2377440" indent="0">
-              <a:buNone/>
-              <a:defRPr sz="650"/>
+            <a:lvl9pPr marL="2523378" indent="0">
+              <a:buNone/>
+              <a:defRPr sz="690"/>
             </a:lvl9pPr>
           </a:lstStyle>
           <a:p>
@@ -2353,7 +2353,7 @@
           <a:p>
             <a:fld id="{B40AC1E3-6098-4FC5-AB3B-96AF947B43B2}" type="datetimeFigureOut">
               <a:rPr lang="en-US" smtClean="0"/>
-              <a:t>9/6/2016</a:t>
+              <a:t>9/7/2016</a:t>
             </a:fld>
             <a:endParaRPr lang="en-US"/>
           </a:p>
@@ -2404,7 +2404,7 @@
     </p:spTree>
     <p:extLst>
       <p:ext uri="{BB962C8B-B14F-4D97-AF65-F5344CB8AC3E}">
-        <p14:creationId xmlns:p14="http://schemas.microsoft.com/office/powerpoint/2010/main" val="2360336309"/>
+        <p14:creationId xmlns:p14="http://schemas.microsoft.com/office/powerpoint/2010/main" val="2303850073"/>
       </p:ext>
     </p:extLst>
   </p:cSld>
@@ -2448,8 +2448,8 @@
         </p:nvSpPr>
         <p:spPr>
           <a:xfrm>
-            <a:off x="408623" y="574483"/>
-            <a:ext cx="5126355" cy="2085614"/>
+            <a:off x="433725" y="525799"/>
+            <a:ext cx="5441275" cy="1908872"/>
           </a:xfrm>
           <a:prstGeom prst="rect">
             <a:avLst/>
@@ -2481,8 +2481,8 @@
         </p:nvSpPr>
         <p:spPr>
           <a:xfrm>
-            <a:off x="408623" y="2872401"/>
-            <a:ext cx="5126355" cy="6846307"/>
+            <a:off x="433725" y="2628985"/>
+            <a:ext cx="5441275" cy="6266128"/>
           </a:xfrm>
           <a:prstGeom prst="rect">
             <a:avLst/>
@@ -2543,8 +2543,8 @@
         </p:nvSpPr>
         <p:spPr>
           <a:xfrm>
-            <a:off x="408623" y="10000955"/>
-            <a:ext cx="1337310" cy="574480"/>
+            <a:off x="433725" y="9153441"/>
+            <a:ext cx="1419463" cy="525797"/>
           </a:xfrm>
           <a:prstGeom prst="rect">
             <a:avLst/>
@@ -2554,7 +2554,7 @@
           <a:bodyPr vert="horz" lIns="91440" tIns="45720" rIns="91440" bIns="45720" rtlCol="0" anchor="ctr"/>
           <a:lstStyle>
             <a:lvl1pPr algn="l">
-              <a:defRPr sz="780">
+              <a:defRPr sz="828">
                 <a:solidFill>
                   <a:schemeClr val="tx1">
                     <a:tint val="75000"/>
@@ -2566,7 +2566,7 @@
           <a:p>
             <a:fld id="{B40AC1E3-6098-4FC5-AB3B-96AF947B43B2}" type="datetimeFigureOut">
               <a:rPr lang="en-US" smtClean="0"/>
-              <a:t>9/6/2016</a:t>
+              <a:t>9/7/2016</a:t>
             </a:fld>
             <a:endParaRPr lang="en-US"/>
           </a:p>
@@ -2584,8 +2584,8 @@
         </p:nvSpPr>
         <p:spPr>
           <a:xfrm>
-            <a:off x="1968818" y="10000955"/>
-            <a:ext cx="2005965" cy="574480"/>
+            <a:off x="2089765" y="9153441"/>
+            <a:ext cx="2129195" cy="525797"/>
           </a:xfrm>
           <a:prstGeom prst="rect">
             <a:avLst/>
@@ -2595,7 +2595,7 @@
           <a:bodyPr vert="horz" lIns="91440" tIns="45720" rIns="91440" bIns="45720" rtlCol="0" anchor="ctr"/>
           <a:lstStyle>
             <a:lvl1pPr algn="ctr">
-              <a:defRPr sz="780">
+              <a:defRPr sz="828">
                 <a:solidFill>
                   <a:schemeClr val="tx1">
                     <a:tint val="75000"/>
@@ -2621,8 +2621,8 @@
         </p:nvSpPr>
         <p:spPr>
           <a:xfrm>
-            <a:off x="4197668" y="10000955"/>
-            <a:ext cx="1337310" cy="574480"/>
+            <a:off x="4455537" y="9153441"/>
+            <a:ext cx="1419463" cy="525797"/>
           </a:xfrm>
           <a:prstGeom prst="rect">
             <a:avLst/>
@@ -2632,7 +2632,7 @@
           <a:bodyPr vert="horz" lIns="91440" tIns="45720" rIns="91440" bIns="45720" rtlCol="0" anchor="ctr"/>
           <a:lstStyle>
             <a:lvl1pPr algn="r">
-              <a:defRPr sz="780">
+              <a:defRPr sz="828">
                 <a:solidFill>
                   <a:schemeClr val="tx1">
                     <a:tint val="75000"/>
@@ -2653,27 +2653,27 @@
     </p:spTree>
     <p:extLst>
       <p:ext uri="{BB962C8B-B14F-4D97-AF65-F5344CB8AC3E}">
-        <p14:creationId xmlns:p14="http://schemas.microsoft.com/office/powerpoint/2010/main" val="2740940563"/>
+        <p14:creationId xmlns:p14="http://schemas.microsoft.com/office/powerpoint/2010/main" val="3488361485"/>
       </p:ext>
     </p:extLst>
   </p:cSld>
   <p:clrMap bg1="lt1" tx1="dk1" bg2="lt2" tx2="dk2" accent1="accent1" accent2="accent2" accent3="accent3" accent4="accent4" accent5="accent5" accent6="accent6" hlink="hlink" folHlink="folHlink"/>
   <p:sldLayoutIdLst>
-    <p:sldLayoutId id="2147483709" r:id="rId1"/>
-    <p:sldLayoutId id="2147483710" r:id="rId2"/>
-    <p:sldLayoutId id="2147483711" r:id="rId3"/>
-    <p:sldLayoutId id="2147483712" r:id="rId4"/>
-    <p:sldLayoutId id="2147483713" r:id="rId5"/>
-    <p:sldLayoutId id="2147483714" r:id="rId6"/>
-    <p:sldLayoutId id="2147483715" r:id="rId7"/>
-    <p:sldLayoutId id="2147483716" r:id="rId8"/>
-    <p:sldLayoutId id="2147483717" r:id="rId9"/>
-    <p:sldLayoutId id="2147483718" r:id="rId10"/>
-    <p:sldLayoutId id="2147483719" r:id="rId11"/>
+    <p:sldLayoutId id="2147483733" r:id="rId1"/>
+    <p:sldLayoutId id="2147483734" r:id="rId2"/>
+    <p:sldLayoutId id="2147483735" r:id="rId3"/>
+    <p:sldLayoutId id="2147483736" r:id="rId4"/>
+    <p:sldLayoutId id="2147483737" r:id="rId5"/>
+    <p:sldLayoutId id="2147483738" r:id="rId6"/>
+    <p:sldLayoutId id="2147483739" r:id="rId7"/>
+    <p:sldLayoutId id="2147483740" r:id="rId8"/>
+    <p:sldLayoutId id="2147483741" r:id="rId9"/>
+    <p:sldLayoutId id="2147483742" r:id="rId10"/>
+    <p:sldLayoutId id="2147483743" r:id="rId11"/>
   </p:sldLayoutIdLst>
   <p:txStyles>
     <p:titleStyle>
-      <a:lvl1pPr algn="l" defTabSz="594360" rtl="0" eaLnBrk="1" latinLnBrk="0" hangingPunct="1">
+      <a:lvl1pPr algn="l" defTabSz="630845" rtl="0" eaLnBrk="1" latinLnBrk="0" hangingPunct="1">
         <a:lnSpc>
           <a:spcPct val="90000"/>
         </a:lnSpc>
@@ -2681,7 +2681,7 @@
           <a:spcPct val="0"/>
         </a:spcBef>
         <a:buNone/>
-        <a:defRPr sz="2860" kern="1200">
+        <a:defRPr sz="3036" kern="1200">
           <a:solidFill>
             <a:schemeClr val="tx1"/>
           </a:solidFill>
@@ -2692,16 +2692,16 @@
       </a:lvl1pPr>
     </p:titleStyle>
     <p:bodyStyle>
-      <a:lvl1pPr marL="148590" indent="-148590" algn="l" defTabSz="594360" rtl="0" eaLnBrk="1" latinLnBrk="0" hangingPunct="1">
+      <a:lvl1pPr marL="157711" indent="-157711" algn="l" defTabSz="630845" rtl="0" eaLnBrk="1" latinLnBrk="0" hangingPunct="1">
         <a:lnSpc>
           <a:spcPct val="90000"/>
         </a:lnSpc>
         <a:spcBef>
-          <a:spcPts val="650"/>
+          <a:spcPts val="690"/>
         </a:spcBef>
         <a:buFont typeface="Arial" panose="020B0604020202020204" pitchFamily="34" charset="0"/>
         <a:buChar char="•"/>
-        <a:defRPr sz="1820" kern="1200">
+        <a:defRPr sz="1932" kern="1200">
           <a:solidFill>
             <a:schemeClr val="tx1"/>
           </a:solidFill>
@@ -2710,16 +2710,16 @@
           <a:cs typeface="+mn-cs"/>
         </a:defRPr>
       </a:lvl1pPr>
-      <a:lvl2pPr marL="445770" indent="-148590" algn="l" defTabSz="594360" rtl="0" eaLnBrk="1" latinLnBrk="0" hangingPunct="1">
+      <a:lvl2pPr marL="473133" indent="-157711" algn="l" defTabSz="630845" rtl="0" eaLnBrk="1" latinLnBrk="0" hangingPunct="1">
         <a:lnSpc>
           <a:spcPct val="90000"/>
         </a:lnSpc>
         <a:spcBef>
-          <a:spcPts val="325"/>
+          <a:spcPts val="345"/>
         </a:spcBef>
         <a:buFont typeface="Arial" panose="020B0604020202020204" pitchFamily="34" charset="0"/>
         <a:buChar char="•"/>
-        <a:defRPr sz="1560" kern="1200">
+        <a:defRPr sz="1656" kern="1200">
           <a:solidFill>
             <a:schemeClr val="tx1"/>
           </a:solidFill>
@@ -2728,16 +2728,16 @@
           <a:cs typeface="+mn-cs"/>
         </a:defRPr>
       </a:lvl2pPr>
-      <a:lvl3pPr marL="742950" indent="-148590" algn="l" defTabSz="594360" rtl="0" eaLnBrk="1" latinLnBrk="0" hangingPunct="1">
+      <a:lvl3pPr marL="788556" indent="-157711" algn="l" defTabSz="630845" rtl="0" eaLnBrk="1" latinLnBrk="0" hangingPunct="1">
         <a:lnSpc>
           <a:spcPct val="90000"/>
         </a:lnSpc>
         <a:spcBef>
-          <a:spcPts val="325"/>
+          <a:spcPts val="345"/>
         </a:spcBef>
         <a:buFont typeface="Arial" panose="020B0604020202020204" pitchFamily="34" charset="0"/>
         <a:buChar char="•"/>
-        <a:defRPr sz="1300" kern="1200">
+        <a:defRPr sz="1380" kern="1200">
           <a:solidFill>
             <a:schemeClr val="tx1"/>
           </a:solidFill>
@@ -2746,16 +2746,16 @@
           <a:cs typeface="+mn-cs"/>
         </a:defRPr>
       </a:lvl3pPr>
-      <a:lvl4pPr marL="1040130" indent="-148590" algn="l" defTabSz="594360" rtl="0" eaLnBrk="1" latinLnBrk="0" hangingPunct="1">
+      <a:lvl4pPr marL="1103978" indent="-157711" algn="l" defTabSz="630845" rtl="0" eaLnBrk="1" latinLnBrk="0" hangingPunct="1">
         <a:lnSpc>
           <a:spcPct val="90000"/>
         </a:lnSpc>
         <a:spcBef>
-          <a:spcPts val="325"/>
+          <a:spcPts val="345"/>
         </a:spcBef>
         <a:buFont typeface="Arial" panose="020B0604020202020204" pitchFamily="34" charset="0"/>
         <a:buChar char="•"/>
-        <a:defRPr sz="1170" kern="1200">
+        <a:defRPr sz="1242" kern="1200">
           <a:solidFill>
             <a:schemeClr val="tx1"/>
           </a:solidFill>
@@ -2764,16 +2764,16 @@
           <a:cs typeface="+mn-cs"/>
         </a:defRPr>
       </a:lvl4pPr>
-      <a:lvl5pPr marL="1337310" indent="-148590" algn="l" defTabSz="594360" rtl="0" eaLnBrk="1" latinLnBrk="0" hangingPunct="1">
+      <a:lvl5pPr marL="1419400" indent="-157711" algn="l" defTabSz="630845" rtl="0" eaLnBrk="1" latinLnBrk="0" hangingPunct="1">
         <a:lnSpc>
           <a:spcPct val="90000"/>
         </a:lnSpc>
         <a:spcBef>
-          <a:spcPts val="325"/>
+          <a:spcPts val="345"/>
         </a:spcBef>
         <a:buFont typeface="Arial" panose="020B0604020202020204" pitchFamily="34" charset="0"/>
         <a:buChar char="•"/>
-        <a:defRPr sz="1170" kern="1200">
+        <a:defRPr sz="1242" kern="1200">
           <a:solidFill>
             <a:schemeClr val="tx1"/>
           </a:solidFill>
@@ -2782,16 +2782,16 @@
           <a:cs typeface="+mn-cs"/>
         </a:defRPr>
       </a:lvl5pPr>
-      <a:lvl6pPr marL="1634490" indent="-148590" algn="l" defTabSz="594360" rtl="0" eaLnBrk="1" latinLnBrk="0" hangingPunct="1">
+      <a:lvl6pPr marL="1734823" indent="-157711" algn="l" defTabSz="630845" rtl="0" eaLnBrk="1" latinLnBrk="0" hangingPunct="1">
         <a:lnSpc>
           <a:spcPct val="90000"/>
         </a:lnSpc>
         <a:spcBef>
-          <a:spcPts val="325"/>
+          <a:spcPts val="345"/>
         </a:spcBef>
         <a:buFont typeface="Arial" panose="020B0604020202020204" pitchFamily="34" charset="0"/>
         <a:buChar char="•"/>
-        <a:defRPr sz="1170" kern="1200">
+        <a:defRPr sz="1242" kern="1200">
           <a:solidFill>
             <a:schemeClr val="tx1"/>
           </a:solidFill>
@@ -2800,16 +2800,16 @@
           <a:cs typeface="+mn-cs"/>
         </a:defRPr>
       </a:lvl6pPr>
-      <a:lvl7pPr marL="1931670" indent="-148590" algn="l" defTabSz="594360" rtl="0" eaLnBrk="1" latinLnBrk="0" hangingPunct="1">
+      <a:lvl7pPr marL="2050245" indent="-157711" algn="l" defTabSz="630845" rtl="0" eaLnBrk="1" latinLnBrk="0" hangingPunct="1">
         <a:lnSpc>
           <a:spcPct val="90000"/>
         </a:lnSpc>
         <a:spcBef>
-          <a:spcPts val="325"/>
+          <a:spcPts val="345"/>
         </a:spcBef>
         <a:buFont typeface="Arial" panose="020B0604020202020204" pitchFamily="34" charset="0"/>
         <a:buChar char="•"/>
-        <a:defRPr sz="1170" kern="1200">
+        <a:defRPr sz="1242" kern="1200">
           <a:solidFill>
             <a:schemeClr val="tx1"/>
           </a:solidFill>
@@ -2818,16 +2818,16 @@
           <a:cs typeface="+mn-cs"/>
         </a:defRPr>
       </a:lvl7pPr>
-      <a:lvl8pPr marL="2228850" indent="-148590" algn="l" defTabSz="594360" rtl="0" eaLnBrk="1" latinLnBrk="0" hangingPunct="1">
+      <a:lvl8pPr marL="2365667" indent="-157711" algn="l" defTabSz="630845" rtl="0" eaLnBrk="1" latinLnBrk="0" hangingPunct="1">
         <a:lnSpc>
           <a:spcPct val="90000"/>
         </a:lnSpc>
         <a:spcBef>
-          <a:spcPts val="325"/>
+          <a:spcPts val="345"/>
         </a:spcBef>
         <a:buFont typeface="Arial" panose="020B0604020202020204" pitchFamily="34" charset="0"/>
         <a:buChar char="•"/>
-        <a:defRPr sz="1170" kern="1200">
+        <a:defRPr sz="1242" kern="1200">
           <a:solidFill>
             <a:schemeClr val="tx1"/>
           </a:solidFill>
@@ -2836,16 +2836,16 @@
           <a:cs typeface="+mn-cs"/>
         </a:defRPr>
       </a:lvl8pPr>
-      <a:lvl9pPr marL="2526030" indent="-148590" algn="l" defTabSz="594360" rtl="0" eaLnBrk="1" latinLnBrk="0" hangingPunct="1">
+      <a:lvl9pPr marL="2681089" indent="-157711" algn="l" defTabSz="630845" rtl="0" eaLnBrk="1" latinLnBrk="0" hangingPunct="1">
         <a:lnSpc>
           <a:spcPct val="90000"/>
         </a:lnSpc>
         <a:spcBef>
-          <a:spcPts val="325"/>
+          <a:spcPts val="345"/>
         </a:spcBef>
         <a:buFont typeface="Arial" panose="020B0604020202020204" pitchFamily="34" charset="0"/>
         <a:buChar char="•"/>
-        <a:defRPr sz="1170" kern="1200">
+        <a:defRPr sz="1242" kern="1200">
           <a:solidFill>
             <a:schemeClr val="tx1"/>
           </a:solidFill>
@@ -2859,8 +2859,8 @@
       <a:defPPr>
         <a:defRPr lang="en-US"/>
       </a:defPPr>
-      <a:lvl1pPr marL="0" algn="l" defTabSz="594360" rtl="0" eaLnBrk="1" latinLnBrk="0" hangingPunct="1">
-        <a:defRPr sz="1170" kern="1200">
+      <a:lvl1pPr marL="0" algn="l" defTabSz="630845" rtl="0" eaLnBrk="1" latinLnBrk="0" hangingPunct="1">
+        <a:defRPr sz="1242" kern="1200">
           <a:solidFill>
             <a:schemeClr val="tx1"/>
           </a:solidFill>
@@ -2869,8 +2869,8 @@
           <a:cs typeface="+mn-cs"/>
         </a:defRPr>
       </a:lvl1pPr>
-      <a:lvl2pPr marL="297180" algn="l" defTabSz="594360" rtl="0" eaLnBrk="1" latinLnBrk="0" hangingPunct="1">
-        <a:defRPr sz="1170" kern="1200">
+      <a:lvl2pPr marL="315422" algn="l" defTabSz="630845" rtl="0" eaLnBrk="1" latinLnBrk="0" hangingPunct="1">
+        <a:defRPr sz="1242" kern="1200">
           <a:solidFill>
             <a:schemeClr val="tx1"/>
           </a:solidFill>
@@ -2879,8 +2879,8 @@
           <a:cs typeface="+mn-cs"/>
         </a:defRPr>
       </a:lvl2pPr>
-      <a:lvl3pPr marL="594360" algn="l" defTabSz="594360" rtl="0" eaLnBrk="1" latinLnBrk="0" hangingPunct="1">
-        <a:defRPr sz="1170" kern="1200">
+      <a:lvl3pPr marL="630845" algn="l" defTabSz="630845" rtl="0" eaLnBrk="1" latinLnBrk="0" hangingPunct="1">
+        <a:defRPr sz="1242" kern="1200">
           <a:solidFill>
             <a:schemeClr val="tx1"/>
           </a:solidFill>
@@ -2889,8 +2889,8 @@
           <a:cs typeface="+mn-cs"/>
         </a:defRPr>
       </a:lvl3pPr>
-      <a:lvl4pPr marL="891540" algn="l" defTabSz="594360" rtl="0" eaLnBrk="1" latinLnBrk="0" hangingPunct="1">
-        <a:defRPr sz="1170" kern="1200">
+      <a:lvl4pPr marL="946267" algn="l" defTabSz="630845" rtl="0" eaLnBrk="1" latinLnBrk="0" hangingPunct="1">
+        <a:defRPr sz="1242" kern="1200">
           <a:solidFill>
             <a:schemeClr val="tx1"/>
           </a:solidFill>
@@ -2899,8 +2899,8 @@
           <a:cs typeface="+mn-cs"/>
         </a:defRPr>
       </a:lvl4pPr>
-      <a:lvl5pPr marL="1188720" algn="l" defTabSz="594360" rtl="0" eaLnBrk="1" latinLnBrk="0" hangingPunct="1">
-        <a:defRPr sz="1170" kern="1200">
+      <a:lvl5pPr marL="1261689" algn="l" defTabSz="630845" rtl="0" eaLnBrk="1" latinLnBrk="0" hangingPunct="1">
+        <a:defRPr sz="1242" kern="1200">
           <a:solidFill>
             <a:schemeClr val="tx1"/>
           </a:solidFill>
@@ -2909,8 +2909,8 @@
           <a:cs typeface="+mn-cs"/>
         </a:defRPr>
       </a:lvl5pPr>
-      <a:lvl6pPr marL="1485900" algn="l" defTabSz="594360" rtl="0" eaLnBrk="1" latinLnBrk="0" hangingPunct="1">
-        <a:defRPr sz="1170" kern="1200">
+      <a:lvl6pPr marL="1577111" algn="l" defTabSz="630845" rtl="0" eaLnBrk="1" latinLnBrk="0" hangingPunct="1">
+        <a:defRPr sz="1242" kern="1200">
           <a:solidFill>
             <a:schemeClr val="tx1"/>
           </a:solidFill>
@@ -2919,8 +2919,8 @@
           <a:cs typeface="+mn-cs"/>
         </a:defRPr>
       </a:lvl6pPr>
-      <a:lvl7pPr marL="1783080" algn="l" defTabSz="594360" rtl="0" eaLnBrk="1" latinLnBrk="0" hangingPunct="1">
-        <a:defRPr sz="1170" kern="1200">
+      <a:lvl7pPr marL="1892534" algn="l" defTabSz="630845" rtl="0" eaLnBrk="1" latinLnBrk="0" hangingPunct="1">
+        <a:defRPr sz="1242" kern="1200">
           <a:solidFill>
             <a:schemeClr val="tx1"/>
           </a:solidFill>
@@ -2929,8 +2929,8 @@
           <a:cs typeface="+mn-cs"/>
         </a:defRPr>
       </a:lvl7pPr>
-      <a:lvl8pPr marL="2080260" algn="l" defTabSz="594360" rtl="0" eaLnBrk="1" latinLnBrk="0" hangingPunct="1">
-        <a:defRPr sz="1170" kern="1200">
+      <a:lvl8pPr marL="2207956" algn="l" defTabSz="630845" rtl="0" eaLnBrk="1" latinLnBrk="0" hangingPunct="1">
+        <a:defRPr sz="1242" kern="1200">
           <a:solidFill>
             <a:schemeClr val="tx1"/>
           </a:solidFill>
@@ -2939,8 +2939,8 @@
           <a:cs typeface="+mn-cs"/>
         </a:defRPr>
       </a:lvl8pPr>
-      <a:lvl9pPr marL="2377440" algn="l" defTabSz="594360" rtl="0" eaLnBrk="1" latinLnBrk="0" hangingPunct="1">
-        <a:defRPr sz="1170" kern="1200">
+      <a:lvl9pPr marL="2523378" algn="l" defTabSz="630845" rtl="0" eaLnBrk="1" latinLnBrk="0" hangingPunct="1">
+        <a:defRPr sz="1242" kern="1200">
           <a:solidFill>
             <a:schemeClr val="tx1"/>
           </a:solidFill>
@@ -2971,196 +2971,443 @@
           <a:chExt cx="0" cy="0"/>
         </a:xfrm>
       </p:grpSpPr>
-      <p:pic>
-        <p:nvPicPr>
-          <p:cNvPr id="24" name="Picture 23"/>
-          <p:cNvPicPr>
-            <a:picLocks noChangeAspect="1"/>
-          </p:cNvPicPr>
+      <p:grpSp>
+        <p:nvGrpSpPr>
+          <p:cNvPr id="28" name="Group 27"/>
+          <p:cNvGrpSpPr/>
           <p:nvPr/>
-        </p:nvPicPr>
-        <p:blipFill rotWithShape="1">
-          <a:blip r:embed="rId2" cstate="print">
-            <a:extLst>
-              <a:ext uri="{28A0092B-C50C-407E-A947-70E740481C1C}">
-                <a14:useLocalDpi xmlns:a14="http://schemas.microsoft.com/office/drawing/2010/main" val="0"/>
-              </a:ext>
-            </a:extLst>
-          </a:blip>
-          <a:srcRect l="1614" t="5169" r="58323"/>
-          <a:stretch/>
-        </p:blipFill>
-        <p:spPr>
-          <a:xfrm rot="16200000">
-            <a:off x="477980" y="5036004"/>
-            <a:ext cx="4892843" cy="5765676"/>
+        </p:nvGrpSpPr>
+        <p:grpSpPr>
+          <a:xfrm>
+            <a:off x="-94859" y="-76200"/>
+            <a:ext cx="6862839" cy="9925964"/>
+            <a:chOff x="6741" y="0"/>
+            <a:chExt cx="6862839" cy="9925964"/>
           </a:xfrm>
-          <a:prstGeom prst="rect">
-            <a:avLst/>
-          </a:prstGeom>
-        </p:spPr>
-      </p:pic>
-      <p:pic>
-        <p:nvPicPr>
-          <p:cNvPr id="25" name="Picture 24"/>
-          <p:cNvPicPr>
-            <a:picLocks noChangeAspect="1"/>
-          </p:cNvPicPr>
-          <p:nvPr/>
-        </p:nvPicPr>
-        <p:blipFill rotWithShape="1">
-          <a:blip r:embed="rId2" cstate="print">
-            <a:extLst>
-              <a:ext uri="{28A0092B-C50C-407E-A947-70E740481C1C}">
-                <a14:useLocalDpi xmlns:a14="http://schemas.microsoft.com/office/drawing/2010/main" val="0"/>
-              </a:ext>
-            </a:extLst>
-          </a:blip>
-          <a:srcRect l="53434" t="4845" r="6503"/>
-          <a:stretch/>
-        </p:blipFill>
-        <p:spPr>
-          <a:xfrm rot="16200000">
-            <a:off x="460115" y="-219606"/>
-            <a:ext cx="4892846" cy="5785367"/>
-          </a:xfrm>
-          <a:prstGeom prst="rect">
-            <a:avLst/>
-          </a:prstGeom>
-        </p:spPr>
-      </p:pic>
-      <p:sp>
-        <p:nvSpPr>
-          <p:cNvPr id="26" name="TextBox 25"/>
-          <p:cNvSpPr txBox="1"/>
-          <p:nvPr/>
-        </p:nvSpPr>
-        <p:spPr>
-          <a:xfrm>
-            <a:off x="2454446" y="5103093"/>
-            <a:ext cx="1604210" cy="461665"/>
-          </a:xfrm>
-          <a:prstGeom prst="rect">
-            <a:avLst/>
-          </a:prstGeom>
-          <a:noFill/>
-        </p:spPr>
-        <p:txBody>
-          <a:bodyPr wrap="square" rtlCol="0">
-            <a:spAutoFit/>
-          </a:bodyPr>
-          <a:lstStyle/>
-          <a:p>
-            <a:r>
-              <a:rPr lang="en-US" sz="2400" dirty="0"/>
-              <a:t>Time (</a:t>
-            </a:r>
-            <a:r>
-              <a:rPr lang="en-US" sz="2400" dirty="0" err="1"/>
-              <a:t>ms</a:t>
-            </a:r>
-            <a:r>
-              <a:rPr lang="en-US" sz="2400" dirty="0"/>
-              <a:t>)</a:t>
-            </a:r>
-          </a:p>
-        </p:txBody>
-      </p:sp>
-      <p:sp>
-        <p:nvSpPr>
-          <p:cNvPr id="27" name="TextBox 26"/>
-          <p:cNvSpPr txBox="1"/>
-          <p:nvPr/>
-        </p:nvSpPr>
-        <p:spPr>
-          <a:xfrm>
-            <a:off x="2306053" y="10348853"/>
-            <a:ext cx="1624266" cy="461665"/>
-          </a:xfrm>
-          <a:prstGeom prst="rect">
-            <a:avLst/>
-          </a:prstGeom>
-          <a:noFill/>
-        </p:spPr>
-        <p:txBody>
-          <a:bodyPr wrap="square" rtlCol="0">
-            <a:spAutoFit/>
-          </a:bodyPr>
-          <a:lstStyle/>
-          <a:p>
-            <a:r>
-              <a:rPr lang="en-US" sz="2400" dirty="0"/>
-              <a:t>Time (</a:t>
-            </a:r>
-            <a:r>
-              <a:rPr lang="en-US" sz="2400" dirty="0" err="1"/>
-              <a:t>ms</a:t>
-            </a:r>
-            <a:r>
-              <a:rPr lang="en-US" sz="2400" dirty="0"/>
-              <a:t>)</a:t>
-            </a:r>
-          </a:p>
-        </p:txBody>
-      </p:sp>
-      <p:sp>
-        <p:nvSpPr>
-          <p:cNvPr id="22" name="TextBox 21"/>
-          <p:cNvSpPr txBox="1"/>
-          <p:nvPr/>
-        </p:nvSpPr>
-        <p:spPr>
-          <a:xfrm>
-            <a:off x="1" y="-110229"/>
-            <a:ext cx="563879" cy="461665"/>
-          </a:xfrm>
-          <a:prstGeom prst="rect">
-            <a:avLst/>
-          </a:prstGeom>
-          <a:noFill/>
-        </p:spPr>
-        <p:txBody>
-          <a:bodyPr wrap="square" rtlCol="0">
-            <a:spAutoFit/>
-          </a:bodyPr>
-          <a:lstStyle/>
-          <a:p>
-            <a:r>
-              <a:rPr lang="en-US" sz="2400" dirty="0"/>
-              <a:t>a.</a:t>
-            </a:r>
-          </a:p>
-        </p:txBody>
-      </p:sp>
-      <p:sp>
-        <p:nvSpPr>
-          <p:cNvPr id="23" name="TextBox 22"/>
-          <p:cNvSpPr txBox="1"/>
-          <p:nvPr/>
-        </p:nvSpPr>
-        <p:spPr>
-          <a:xfrm>
-            <a:off x="4013" y="5163978"/>
-            <a:ext cx="559867" cy="461665"/>
-          </a:xfrm>
-          <a:prstGeom prst="rect">
-            <a:avLst/>
-          </a:prstGeom>
-          <a:noFill/>
-        </p:spPr>
-        <p:txBody>
-          <a:bodyPr wrap="square" rtlCol="0">
-            <a:spAutoFit/>
-          </a:bodyPr>
-          <a:lstStyle/>
-          <a:p>
-            <a:r>
-              <a:rPr lang="en-US" sz="2400" dirty="0"/>
-              <a:t>b.</a:t>
-            </a:r>
-          </a:p>
-        </p:txBody>
-      </p:sp>
+        </p:grpSpPr>
+        <p:grpSp>
+          <p:nvGrpSpPr>
+            <p:cNvPr id="29" name="Group 28"/>
+            <p:cNvGrpSpPr/>
+            <p:nvPr/>
+          </p:nvGrpSpPr>
+          <p:grpSpPr>
+            <a:xfrm>
+              <a:off x="413359" y="0"/>
+              <a:ext cx="6456221" cy="9925964"/>
+              <a:chOff x="0" y="570853"/>
+              <a:chExt cx="6456221" cy="9925964"/>
+            </a:xfrm>
+          </p:grpSpPr>
+          <p:pic>
+            <p:nvPicPr>
+              <p:cNvPr id="32" name="Picture 31"/>
+              <p:cNvPicPr>
+                <a:picLocks noChangeAspect="1"/>
+              </p:cNvPicPr>
+              <p:nvPr/>
+            </p:nvPicPr>
+            <p:blipFill rotWithShape="1">
+              <a:blip r:embed="rId2" cstate="print">
+                <a:extLst>
+                  <a:ext uri="{28A0092B-C50C-407E-A947-70E740481C1C}">
+                    <a14:useLocalDpi xmlns:a14="http://schemas.microsoft.com/office/drawing/2010/main" val="0"/>
+                  </a:ext>
+                </a:extLst>
+              </a:blip>
+              <a:srcRect l="7417" t="7447" r="58323"/>
+              <a:stretch/>
+            </p:blipFill>
+            <p:spPr>
+              <a:xfrm rot="16200000">
+                <a:off x="901578" y="4711687"/>
+                <a:ext cx="4184197" cy="5627128"/>
+              </a:xfrm>
+              <a:prstGeom prst="rect">
+                <a:avLst/>
+              </a:prstGeom>
+              <a:ln w="12700">
+                <a:solidFill>
+                  <a:schemeClr val="tx1"/>
+                </a:solidFill>
+              </a:ln>
+            </p:spPr>
+          </p:pic>
+          <p:pic>
+            <p:nvPicPr>
+              <p:cNvPr id="33" name="Picture 32"/>
+              <p:cNvPicPr>
+                <a:picLocks noChangeAspect="1"/>
+              </p:cNvPicPr>
+              <p:nvPr/>
+            </p:nvPicPr>
+            <p:blipFill rotWithShape="1">
+              <a:blip r:embed="rId2" cstate="print">
+                <a:extLst>
+                  <a:ext uri="{28A0092B-C50C-407E-A947-70E740481C1C}">
+                    <a14:useLocalDpi xmlns:a14="http://schemas.microsoft.com/office/drawing/2010/main" val="0"/>
+                  </a:ext>
+                </a:extLst>
+              </a:blip>
+              <a:srcRect l="60526" t="7580" r="6503"/>
+              <a:stretch/>
+            </p:blipFill>
+            <p:spPr>
+              <a:xfrm rot="16200000">
+                <a:off x="984336" y="192446"/>
+                <a:ext cx="4026694" cy="5619113"/>
+              </a:xfrm>
+              <a:prstGeom prst="rect">
+                <a:avLst/>
+              </a:prstGeom>
+              <a:ln w="12700">
+                <a:solidFill>
+                  <a:schemeClr val="tx1"/>
+                </a:solidFill>
+              </a:ln>
+            </p:spPr>
+          </p:pic>
+          <p:sp>
+            <p:nvSpPr>
+              <p:cNvPr id="34" name="TextBox 33"/>
+              <p:cNvSpPr txBox="1"/>
+              <p:nvPr/>
+            </p:nvSpPr>
+            <p:spPr>
+              <a:xfrm>
+                <a:off x="2375326" y="10035152"/>
+                <a:ext cx="1624266" cy="461665"/>
+              </a:xfrm>
+              <a:prstGeom prst="rect">
+                <a:avLst/>
+              </a:prstGeom>
+              <a:noFill/>
+            </p:spPr>
+            <p:txBody>
+              <a:bodyPr wrap="square" rtlCol="0">
+                <a:spAutoFit/>
+              </a:bodyPr>
+              <a:lstStyle/>
+              <a:p>
+                <a:r>
+                  <a:rPr lang="en-US" sz="2400" dirty="0"/>
+                  <a:t>Time (</a:t>
+                </a:r>
+                <a:r>
+                  <a:rPr lang="en-US" sz="2400" dirty="0" err="1"/>
+                  <a:t>ms</a:t>
+                </a:r>
+                <a:r>
+                  <a:rPr lang="en-US" sz="2400" dirty="0"/>
+                  <a:t>)</a:t>
+                </a:r>
+              </a:p>
+            </p:txBody>
+          </p:sp>
+          <p:sp>
+            <p:nvSpPr>
+              <p:cNvPr id="35" name="TextBox 34"/>
+              <p:cNvSpPr txBox="1"/>
+              <p:nvPr/>
+            </p:nvSpPr>
+            <p:spPr>
+              <a:xfrm>
+                <a:off x="1767549" y="570853"/>
+                <a:ext cx="2452254" cy="461665"/>
+              </a:xfrm>
+              <a:prstGeom prst="rect">
+                <a:avLst/>
+              </a:prstGeom>
+              <a:noFill/>
+            </p:spPr>
+            <p:txBody>
+              <a:bodyPr wrap="square" rtlCol="0">
+                <a:spAutoFit/>
+              </a:bodyPr>
+              <a:lstStyle/>
+              <a:p>
+                <a:r>
+                  <a:rPr lang="en-US" sz="2400" dirty="0" smtClean="0"/>
+                  <a:t>Traditional System</a:t>
+                </a:r>
+                <a:endParaRPr lang="en-US" sz="2400" dirty="0"/>
+              </a:p>
+            </p:txBody>
+          </p:sp>
+          <p:sp>
+            <p:nvSpPr>
+              <p:cNvPr id="36" name="TextBox 35"/>
+              <p:cNvSpPr txBox="1"/>
+              <p:nvPr/>
+            </p:nvSpPr>
+            <p:spPr>
+              <a:xfrm>
+                <a:off x="180111" y="4971487"/>
+                <a:ext cx="6276110" cy="461665"/>
+              </a:xfrm>
+              <a:prstGeom prst="rect">
+                <a:avLst/>
+              </a:prstGeom>
+              <a:noFill/>
+            </p:spPr>
+            <p:txBody>
+              <a:bodyPr wrap="square" rtlCol="0">
+                <a:spAutoFit/>
+              </a:bodyPr>
+              <a:lstStyle/>
+              <a:p>
+                <a:r>
+                  <a:rPr lang="en-US" sz="2400" dirty="0" smtClean="0"/>
+                  <a:t>Smart Dart Autonomous Deployment System</a:t>
+                </a:r>
+                <a:endParaRPr lang="en-US" sz="2400" dirty="0"/>
+              </a:p>
+            </p:txBody>
+          </p:sp>
+          <p:sp>
+            <p:nvSpPr>
+              <p:cNvPr id="37" name="TextBox 36"/>
+              <p:cNvSpPr txBox="1"/>
+              <p:nvPr/>
+            </p:nvSpPr>
+            <p:spPr>
+              <a:xfrm>
+                <a:off x="0" y="9617350"/>
+                <a:ext cx="6054436" cy="461665"/>
+              </a:xfrm>
+              <a:prstGeom prst="rect">
+                <a:avLst/>
+              </a:prstGeom>
+              <a:noFill/>
+            </p:spPr>
+            <p:txBody>
+              <a:bodyPr wrap="square" rtlCol="0">
+                <a:spAutoFit/>
+              </a:bodyPr>
+              <a:lstStyle/>
+              <a:p>
+                <a:r>
+                  <a:rPr lang="en-US" sz="2400" dirty="0" smtClean="0"/>
+                  <a:t>0       100     200     300     400     500     600   700</a:t>
+                </a:r>
+                <a:endParaRPr lang="en-US" sz="2400" dirty="0"/>
+              </a:p>
+            </p:txBody>
+          </p:sp>
+        </p:grpSp>
+        <mc:AlternateContent xmlns:mc="http://schemas.openxmlformats.org/markup-compatibility/2006">
+          <mc:Choice xmlns:a14="http://schemas.microsoft.com/office/drawing/2010/main" Requires="a14">
+            <p:sp>
+              <p:nvSpPr>
+                <p:cNvPr id="30" name="TextBox 29"/>
+                <p:cNvSpPr txBox="1"/>
+                <p:nvPr/>
+              </p:nvSpPr>
+              <p:spPr>
+                <a:xfrm rot="16200000">
+                  <a:off x="-587475" y="2345827"/>
+                  <a:ext cx="1774122" cy="496674"/>
+                </a:xfrm>
+                <a:prstGeom prst="rect">
+                  <a:avLst/>
+                </a:prstGeom>
+                <a:noFill/>
+              </p:spPr>
+              <p:txBody>
+                <a:bodyPr wrap="square" rtlCol="0">
+                  <a:spAutoFit/>
+                </a:bodyPr>
+                <a:lstStyle/>
+                <a:p>
+                  <a14:m>
+                    <m:oMath xmlns:m="http://schemas.openxmlformats.org/officeDocument/2006/math">
+                      <m:sSub>
+                        <m:sSubPr>
+                          <m:ctrlPr>
+                            <a:rPr lang="en-US" sz="2400" i="1">
+                              <a:latin typeface="Cambria Math" panose="02040503050406030204" pitchFamily="18" charset="0"/>
+                            </a:rPr>
+                          </m:ctrlPr>
+                        </m:sSubPr>
+                        <m:e>
+                          <m:r>
+                            <a:rPr lang="en-US" sz="2400" i="1">
+                              <a:latin typeface="Cambria Math" panose="02040503050406030204" pitchFamily="18" charset="0"/>
+                            </a:rPr>
+                            <m:t>𝑉</m:t>
+                          </m:r>
+                        </m:e>
+                        <m:sub>
+                          <m:r>
+                            <a:rPr lang="en-US" sz="2400" i="1">
+                              <a:latin typeface="Cambria Math" panose="02040503050406030204" pitchFamily="18" charset="0"/>
+                            </a:rPr>
+                            <m:t>𝑔𝑒𝑜h𝑜𝑛𝑒</m:t>
+                          </m:r>
+                        </m:sub>
+                      </m:sSub>
+                      <m:r>
+                        <a:rPr lang="en-US" sz="2400" i="1">
+                          <a:latin typeface="Cambria Math" panose="02040503050406030204" pitchFamily="18" charset="0"/>
+                        </a:rPr>
+                        <m:t> </m:t>
+                      </m:r>
+                    </m:oMath>
+                  </a14:m>
+                  <a:r>
+                    <a:rPr lang="en-US" sz="2400" dirty="0"/>
+                    <a:t>(V)</a:t>
+                  </a:r>
+                </a:p>
+              </p:txBody>
+            </p:sp>
+          </mc:Choice>
+          <mc:Fallback>
+            <p:sp>
+              <p:nvSpPr>
+                <p:cNvPr id="30" name="TextBox 29"/>
+                <p:cNvSpPr txBox="1">
+                  <a:spLocks noRot="1" noChangeAspect="1" noMove="1" noResize="1" noEditPoints="1" noAdjustHandles="1" noChangeArrowheads="1" noChangeShapeType="1" noTextEdit="1"/>
+                </p:cNvSpPr>
+                <p:nvPr/>
+              </p:nvSpPr>
+              <p:spPr>
+                <a:xfrm rot="16200000">
+                  <a:off x="-587475" y="2345827"/>
+                  <a:ext cx="1774122" cy="496674"/>
+                </a:xfrm>
+                <a:prstGeom prst="rect">
+                  <a:avLst/>
+                </a:prstGeom>
+                <a:blipFill rotWithShape="0">
+                  <a:blip r:embed="rId3"/>
+                  <a:stretch>
+                    <a:fillRect l="-8642" t="-1031" r="-22222" b="-687"/>
+                  </a:stretch>
+                </a:blipFill>
+              </p:spPr>
+              <p:txBody>
+                <a:bodyPr/>
+                <a:lstStyle/>
+                <a:p>
+                  <a:r>
+                    <a:rPr lang="en-US">
+                      <a:noFill/>
+                    </a:rPr>
+                    <a:t> </a:t>
+                  </a:r>
+                </a:p>
+              </p:txBody>
+            </p:sp>
+          </mc:Fallback>
+        </mc:AlternateContent>
+        <mc:AlternateContent xmlns:mc="http://schemas.openxmlformats.org/markup-compatibility/2006">
+          <mc:Choice xmlns:a14="http://schemas.microsoft.com/office/drawing/2010/main" Requires="a14">
+            <p:sp>
+              <p:nvSpPr>
+                <p:cNvPr id="31" name="TextBox 30"/>
+                <p:cNvSpPr txBox="1"/>
+                <p:nvPr/>
+              </p:nvSpPr>
+              <p:spPr>
+                <a:xfrm rot="16200000">
+                  <a:off x="-631983" y="6581712"/>
+                  <a:ext cx="1774122" cy="496674"/>
+                </a:xfrm>
+                <a:prstGeom prst="rect">
+                  <a:avLst/>
+                </a:prstGeom>
+                <a:noFill/>
+              </p:spPr>
+              <p:txBody>
+                <a:bodyPr wrap="square" rtlCol="0">
+                  <a:spAutoFit/>
+                </a:bodyPr>
+                <a:lstStyle/>
+                <a:p>
+                  <a14:m>
+                    <m:oMath xmlns:m="http://schemas.openxmlformats.org/officeDocument/2006/math">
+                      <m:sSub>
+                        <m:sSubPr>
+                          <m:ctrlPr>
+                            <a:rPr lang="en-US" sz="2400" i="1">
+                              <a:latin typeface="Cambria Math" panose="02040503050406030204" pitchFamily="18" charset="0"/>
+                            </a:rPr>
+                          </m:ctrlPr>
+                        </m:sSubPr>
+                        <m:e>
+                          <m:r>
+                            <a:rPr lang="en-US" sz="2400" i="1">
+                              <a:latin typeface="Cambria Math" panose="02040503050406030204" pitchFamily="18" charset="0"/>
+                            </a:rPr>
+                            <m:t>𝑉</m:t>
+                          </m:r>
+                        </m:e>
+                        <m:sub>
+                          <m:r>
+                            <a:rPr lang="en-US" sz="2400" i="1">
+                              <a:latin typeface="Cambria Math" panose="02040503050406030204" pitchFamily="18" charset="0"/>
+                            </a:rPr>
+                            <m:t>𝑔𝑒𝑜h𝑜𝑛𝑒</m:t>
+                          </m:r>
+                        </m:sub>
+                      </m:sSub>
+                      <m:r>
+                        <a:rPr lang="en-US" sz="2400" i="1">
+                          <a:latin typeface="Cambria Math" panose="02040503050406030204" pitchFamily="18" charset="0"/>
+                        </a:rPr>
+                        <m:t> </m:t>
+                      </m:r>
+                    </m:oMath>
+                  </a14:m>
+                  <a:r>
+                    <a:rPr lang="en-US" sz="2400" dirty="0"/>
+                    <a:t>(V)</a:t>
+                  </a:r>
+                </a:p>
+              </p:txBody>
+            </p:sp>
+          </mc:Choice>
+          <mc:Fallback>
+            <p:sp>
+              <p:nvSpPr>
+                <p:cNvPr id="31" name="TextBox 30"/>
+                <p:cNvSpPr txBox="1">
+                  <a:spLocks noRot="1" noChangeAspect="1" noMove="1" noResize="1" noEditPoints="1" noAdjustHandles="1" noChangeArrowheads="1" noChangeShapeType="1" noTextEdit="1"/>
+                </p:cNvSpPr>
+                <p:nvPr/>
+              </p:nvSpPr>
+              <p:spPr>
+                <a:xfrm rot="16200000">
+                  <a:off x="-631983" y="6581712"/>
+                  <a:ext cx="1774122" cy="496674"/>
+                </a:xfrm>
+                <a:prstGeom prst="rect">
+                  <a:avLst/>
+                </a:prstGeom>
+                <a:blipFill rotWithShape="0">
+                  <a:blip r:embed="rId4"/>
+                  <a:stretch>
+                    <a:fillRect l="-8537" t="-687" r="-20732" b="-1031"/>
+                  </a:stretch>
+                </a:blipFill>
+              </p:spPr>
+              <p:txBody>
+                <a:bodyPr/>
+                <a:lstStyle/>
+                <a:p>
+                  <a:r>
+                    <a:rPr lang="en-US">
+                      <a:noFill/>
+                    </a:rPr>
+                    <a:t> </a:t>
+                  </a:r>
+                </a:p>
+              </p:txBody>
+            </p:sp>
+          </mc:Fallback>
+        </mc:AlternateContent>
+      </p:grpSp>
     </p:spTree>
     <p:extLst>
       <p:ext uri="{BB962C8B-B14F-4D97-AF65-F5344CB8AC3E}">

--- a/RA-L Hetro Sensors/pictures/shotgather_auto_drop.pptx
+++ b/RA-L Hetro Sensors/pictures/shotgather_auto_drop.pptx
@@ -106,7 +106,7 @@
   </p:defaultTextStyle>
   <p:extLst>
     <p:ext uri="{EFAFB233-063F-42B5-8137-9DF3F51BA10A}">
-      <p15:sldGuideLst xmlns:p15="http://schemas.microsoft.com/office/powerpoint/2012/main"/>
+      <p15:sldGuideLst xmlns:p15="http://schemas.microsoft.com/office/powerpoint/2012/main" xmlns=""/>
     </p:ext>
   </p:extLst>
 </p:presentation>
@@ -243,7 +243,7 @@
           <a:p>
             <a:fld id="{B40AC1E3-6098-4FC5-AB3B-96AF947B43B2}" type="datetimeFigureOut">
               <a:rPr lang="en-US" smtClean="0"/>
-              <a:t>9/7/2016</a:t>
+              <a:t>9/10/16</a:t>
             </a:fld>
             <a:endParaRPr lang="en-US"/>
           </a:p>
@@ -413,7 +413,7 @@
           <a:p>
             <a:fld id="{B40AC1E3-6098-4FC5-AB3B-96AF947B43B2}" type="datetimeFigureOut">
               <a:rPr lang="en-US" smtClean="0"/>
-              <a:t>9/7/2016</a:t>
+              <a:t>9/10/16</a:t>
             </a:fld>
             <a:endParaRPr lang="en-US"/>
           </a:p>
@@ -593,7 +593,7 @@
           <a:p>
             <a:fld id="{B40AC1E3-6098-4FC5-AB3B-96AF947B43B2}" type="datetimeFigureOut">
               <a:rPr lang="en-US" smtClean="0"/>
-              <a:t>9/7/2016</a:t>
+              <a:t>9/10/16</a:t>
             </a:fld>
             <a:endParaRPr lang="en-US"/>
           </a:p>
@@ -763,7 +763,7 @@
           <a:p>
             <a:fld id="{B40AC1E3-6098-4FC5-AB3B-96AF947B43B2}" type="datetimeFigureOut">
               <a:rPr lang="en-US" smtClean="0"/>
-              <a:t>9/7/2016</a:t>
+              <a:t>9/10/16</a:t>
             </a:fld>
             <a:endParaRPr lang="en-US"/>
           </a:p>
@@ -1007,7 +1007,7 @@
           <a:p>
             <a:fld id="{B40AC1E3-6098-4FC5-AB3B-96AF947B43B2}" type="datetimeFigureOut">
               <a:rPr lang="en-US" smtClean="0"/>
-              <a:t>9/7/2016</a:t>
+              <a:t>9/10/16</a:t>
             </a:fld>
             <a:endParaRPr lang="en-US"/>
           </a:p>
@@ -1239,7 +1239,7 @@
           <a:p>
             <a:fld id="{B40AC1E3-6098-4FC5-AB3B-96AF947B43B2}" type="datetimeFigureOut">
               <a:rPr lang="en-US" smtClean="0"/>
-              <a:t>9/7/2016</a:t>
+              <a:t>9/10/16</a:t>
             </a:fld>
             <a:endParaRPr lang="en-US"/>
           </a:p>
@@ -1606,7 +1606,7 @@
           <a:p>
             <a:fld id="{B40AC1E3-6098-4FC5-AB3B-96AF947B43B2}" type="datetimeFigureOut">
               <a:rPr lang="en-US" smtClean="0"/>
-              <a:t>9/7/2016</a:t>
+              <a:t>9/10/16</a:t>
             </a:fld>
             <a:endParaRPr lang="en-US"/>
           </a:p>
@@ -1724,7 +1724,7 @@
           <a:p>
             <a:fld id="{B40AC1E3-6098-4FC5-AB3B-96AF947B43B2}" type="datetimeFigureOut">
               <a:rPr lang="en-US" smtClean="0"/>
-              <a:t>9/7/2016</a:t>
+              <a:t>9/10/16</a:t>
             </a:fld>
             <a:endParaRPr lang="en-US"/>
           </a:p>
@@ -1819,7 +1819,7 @@
           <a:p>
             <a:fld id="{B40AC1E3-6098-4FC5-AB3B-96AF947B43B2}" type="datetimeFigureOut">
               <a:rPr lang="en-US" smtClean="0"/>
-              <a:t>9/7/2016</a:t>
+              <a:t>9/10/16</a:t>
             </a:fld>
             <a:endParaRPr lang="en-US"/>
           </a:p>
@@ -2096,7 +2096,7 @@
           <a:p>
             <a:fld id="{B40AC1E3-6098-4FC5-AB3B-96AF947B43B2}" type="datetimeFigureOut">
               <a:rPr lang="en-US" smtClean="0"/>
-              <a:t>9/7/2016</a:t>
+              <a:t>9/10/16</a:t>
             </a:fld>
             <a:endParaRPr lang="en-US"/>
           </a:p>
@@ -2353,7 +2353,7 @@
           <a:p>
             <a:fld id="{B40AC1E3-6098-4FC5-AB3B-96AF947B43B2}" type="datetimeFigureOut">
               <a:rPr lang="en-US" smtClean="0"/>
-              <a:t>9/7/2016</a:t>
+              <a:t>9/10/16</a:t>
             </a:fld>
             <a:endParaRPr lang="en-US"/>
           </a:p>
@@ -2566,7 +2566,7 @@
           <a:p>
             <a:fld id="{B40AC1E3-6098-4FC5-AB3B-96AF947B43B2}" type="datetimeFigureOut">
               <a:rPr lang="en-US" smtClean="0"/>
-              <a:t>9/7/2016</a:t>
+              <a:t>9/10/16</a:t>
             </a:fld>
             <a:endParaRPr lang="en-US"/>
           </a:p>
@@ -2973,441 +2973,310 @@
       </p:grpSpPr>
       <p:grpSp>
         <p:nvGrpSpPr>
-          <p:cNvPr id="28" name="Group 27"/>
+          <p:cNvPr id="29" name="Group 28"/>
           <p:cNvGrpSpPr/>
           <p:nvPr/>
         </p:nvGrpSpPr>
         <p:grpSpPr>
           <a:xfrm>
-            <a:off x="-94859" y="-76200"/>
-            <a:ext cx="6862839" cy="9925964"/>
-            <a:chOff x="6741" y="0"/>
-            <a:chExt cx="6862839" cy="9925964"/>
+            <a:off x="311759" y="-76199"/>
+            <a:ext cx="7819942" cy="9925963"/>
+            <a:chOff x="0" y="570854"/>
+            <a:chExt cx="7819942" cy="9925963"/>
           </a:xfrm>
         </p:grpSpPr>
-        <p:grpSp>
-          <p:nvGrpSpPr>
-            <p:cNvPr id="29" name="Group 28"/>
-            <p:cNvGrpSpPr/>
+        <p:pic>
+          <p:nvPicPr>
+            <p:cNvPr id="32" name="Picture 31"/>
+            <p:cNvPicPr>
+              <a:picLocks noChangeAspect="1"/>
+            </p:cNvPicPr>
             <p:nvPr/>
-          </p:nvGrpSpPr>
-          <p:grpSpPr>
+          </p:nvPicPr>
+          <p:blipFill rotWithShape="1">
+            <a:blip r:embed="rId2" cstate="print">
+              <a:extLst>
+                <a:ext uri="{28A0092B-C50C-407E-A947-70E740481C1C}">
+                  <a14:useLocalDpi xmlns:a14="http://schemas.microsoft.com/office/drawing/2010/main" val="0"/>
+                </a:ext>
+              </a:extLst>
+            </a:blip>
+            <a:srcRect l="7417" t="7447" r="58323"/>
+            <a:stretch/>
+          </p:blipFill>
+          <p:spPr>
+            <a:xfrm rot="16200000">
+              <a:off x="901578" y="4711687"/>
+              <a:ext cx="4184197" cy="5627128"/>
+            </a:xfrm>
+            <a:prstGeom prst="rect">
+              <a:avLst/>
+            </a:prstGeom>
+            <a:ln w="12700">
+              <a:solidFill>
+                <a:schemeClr val="tx1"/>
+              </a:solidFill>
+            </a:ln>
+          </p:spPr>
+        </p:pic>
+        <p:pic>
+          <p:nvPicPr>
+            <p:cNvPr id="33" name="Picture 32"/>
+            <p:cNvPicPr>
+              <a:picLocks noChangeAspect="1"/>
+            </p:cNvPicPr>
+            <p:nvPr/>
+          </p:nvPicPr>
+          <p:blipFill rotWithShape="1">
+            <a:blip r:embed="rId2" cstate="print">
+              <a:extLst>
+                <a:ext uri="{28A0092B-C50C-407E-A947-70E740481C1C}">
+                  <a14:useLocalDpi xmlns:a14="http://schemas.microsoft.com/office/drawing/2010/main" val="0"/>
+                </a:ext>
+              </a:extLst>
+            </a:blip>
+            <a:srcRect l="60526" t="7580" r="6503"/>
+            <a:stretch/>
+          </p:blipFill>
+          <p:spPr>
+            <a:xfrm rot="16200000">
+              <a:off x="984336" y="192446"/>
+              <a:ext cx="4026694" cy="5619113"/>
+            </a:xfrm>
+            <a:prstGeom prst="rect">
+              <a:avLst/>
+            </a:prstGeom>
+            <a:ln w="12700">
+              <a:solidFill>
+                <a:schemeClr val="tx1"/>
+              </a:solidFill>
+            </a:ln>
+          </p:spPr>
+        </p:pic>
+        <p:sp>
+          <p:nvSpPr>
+            <p:cNvPr id="34" name="TextBox 33"/>
+            <p:cNvSpPr txBox="1"/>
+            <p:nvPr/>
+          </p:nvSpPr>
+          <p:spPr>
             <a:xfrm>
-              <a:off x="413359" y="0"/>
-              <a:ext cx="6456221" cy="9925964"/>
-              <a:chOff x="0" y="570853"/>
-              <a:chExt cx="6456221" cy="9925964"/>
+              <a:off x="2375326" y="10035152"/>
+              <a:ext cx="1624266" cy="461665"/>
             </a:xfrm>
-          </p:grpSpPr>
-          <p:pic>
-            <p:nvPicPr>
-              <p:cNvPr id="32" name="Picture 31"/>
-              <p:cNvPicPr>
-                <a:picLocks noChangeAspect="1"/>
-              </p:cNvPicPr>
-              <p:nvPr/>
-            </p:nvPicPr>
-            <p:blipFill rotWithShape="1">
-              <a:blip r:embed="rId2" cstate="print">
-                <a:extLst>
-                  <a:ext uri="{28A0092B-C50C-407E-A947-70E740481C1C}">
-                    <a14:useLocalDpi xmlns:a14="http://schemas.microsoft.com/office/drawing/2010/main" val="0"/>
-                  </a:ext>
-                </a:extLst>
-              </a:blip>
-              <a:srcRect l="7417" t="7447" r="58323"/>
-              <a:stretch/>
-            </p:blipFill>
-            <p:spPr>
-              <a:xfrm rot="16200000">
-                <a:off x="901578" y="4711687"/>
-                <a:ext cx="4184197" cy="5627128"/>
-              </a:xfrm>
-              <a:prstGeom prst="rect">
-                <a:avLst/>
-              </a:prstGeom>
-              <a:ln w="12700">
-                <a:solidFill>
-                  <a:schemeClr val="tx1"/>
-                </a:solidFill>
-              </a:ln>
-            </p:spPr>
-          </p:pic>
-          <p:pic>
-            <p:nvPicPr>
-              <p:cNvPr id="33" name="Picture 32"/>
-              <p:cNvPicPr>
-                <a:picLocks noChangeAspect="1"/>
-              </p:cNvPicPr>
-              <p:nvPr/>
-            </p:nvPicPr>
-            <p:blipFill rotWithShape="1">
-              <a:blip r:embed="rId2" cstate="print">
-                <a:extLst>
-                  <a:ext uri="{28A0092B-C50C-407E-A947-70E740481C1C}">
-                    <a14:useLocalDpi xmlns:a14="http://schemas.microsoft.com/office/drawing/2010/main" val="0"/>
-                  </a:ext>
-                </a:extLst>
-              </a:blip>
-              <a:srcRect l="60526" t="7580" r="6503"/>
-              <a:stretch/>
-            </p:blipFill>
-            <p:spPr>
-              <a:xfrm rot="16200000">
-                <a:off x="984336" y="192446"/>
-                <a:ext cx="4026694" cy="5619113"/>
-              </a:xfrm>
-              <a:prstGeom prst="rect">
-                <a:avLst/>
-              </a:prstGeom>
-              <a:ln w="12700">
-                <a:solidFill>
-                  <a:schemeClr val="tx1"/>
-                </a:solidFill>
-              </a:ln>
-            </p:spPr>
-          </p:pic>
-          <p:sp>
-            <p:nvSpPr>
-              <p:cNvPr id="34" name="TextBox 33"/>
-              <p:cNvSpPr txBox="1"/>
-              <p:nvPr/>
-            </p:nvSpPr>
-            <p:spPr>
-              <a:xfrm>
-                <a:off x="2375326" y="10035152"/>
-                <a:ext cx="1624266" cy="461665"/>
-              </a:xfrm>
-              <a:prstGeom prst="rect">
-                <a:avLst/>
-              </a:prstGeom>
-              <a:noFill/>
-            </p:spPr>
-            <p:txBody>
-              <a:bodyPr wrap="square" rtlCol="0">
-                <a:spAutoFit/>
-              </a:bodyPr>
-              <a:lstStyle/>
-              <a:p>
-                <a:r>
-                  <a:rPr lang="en-US" sz="2400" dirty="0"/>
-                  <a:t>Time (</a:t>
-                </a:r>
-                <a:r>
-                  <a:rPr lang="en-US" sz="2400" dirty="0" err="1"/>
-                  <a:t>ms</a:t>
-                </a:r>
-                <a:r>
-                  <a:rPr lang="en-US" sz="2400" dirty="0"/>
-                  <a:t>)</a:t>
-                </a:r>
-              </a:p>
-            </p:txBody>
-          </p:sp>
-          <p:sp>
-            <p:nvSpPr>
-              <p:cNvPr id="35" name="TextBox 34"/>
-              <p:cNvSpPr txBox="1"/>
-              <p:nvPr/>
-            </p:nvSpPr>
-            <p:spPr>
-              <a:xfrm>
-                <a:off x="1767549" y="570853"/>
-                <a:ext cx="2452254" cy="461665"/>
-              </a:xfrm>
-              <a:prstGeom prst="rect">
-                <a:avLst/>
-              </a:prstGeom>
-              <a:noFill/>
-            </p:spPr>
-            <p:txBody>
-              <a:bodyPr wrap="square" rtlCol="0">
-                <a:spAutoFit/>
-              </a:bodyPr>
-              <a:lstStyle/>
-              <a:p>
-                <a:r>
-                  <a:rPr lang="en-US" sz="2400" dirty="0" smtClean="0"/>
-                  <a:t>Traditional System</a:t>
-                </a:r>
-                <a:endParaRPr lang="en-US" sz="2400" dirty="0"/>
-              </a:p>
-            </p:txBody>
-          </p:sp>
-          <p:sp>
-            <p:nvSpPr>
-              <p:cNvPr id="36" name="TextBox 35"/>
-              <p:cNvSpPr txBox="1"/>
-              <p:nvPr/>
-            </p:nvSpPr>
-            <p:spPr>
-              <a:xfrm>
-                <a:off x="180111" y="4971487"/>
-                <a:ext cx="6276110" cy="461665"/>
-              </a:xfrm>
-              <a:prstGeom prst="rect">
-                <a:avLst/>
-              </a:prstGeom>
-              <a:noFill/>
-            </p:spPr>
-            <p:txBody>
-              <a:bodyPr wrap="square" rtlCol="0">
-                <a:spAutoFit/>
-              </a:bodyPr>
-              <a:lstStyle/>
-              <a:p>
-                <a:r>
-                  <a:rPr lang="en-US" sz="2400" dirty="0" smtClean="0"/>
-                  <a:t>Smart Dart Autonomous Deployment System</a:t>
-                </a:r>
-                <a:endParaRPr lang="en-US" sz="2400" dirty="0"/>
-              </a:p>
-            </p:txBody>
-          </p:sp>
-          <p:sp>
-            <p:nvSpPr>
-              <p:cNvPr id="37" name="TextBox 36"/>
-              <p:cNvSpPr txBox="1"/>
-              <p:nvPr/>
-            </p:nvSpPr>
-            <p:spPr>
-              <a:xfrm>
-                <a:off x="0" y="9617350"/>
-                <a:ext cx="6054436" cy="461665"/>
-              </a:xfrm>
-              <a:prstGeom prst="rect">
-                <a:avLst/>
-              </a:prstGeom>
-              <a:noFill/>
-            </p:spPr>
-            <p:txBody>
-              <a:bodyPr wrap="square" rtlCol="0">
-                <a:spAutoFit/>
-              </a:bodyPr>
-              <a:lstStyle/>
-              <a:p>
-                <a:r>
-                  <a:rPr lang="en-US" sz="2400" dirty="0" smtClean="0"/>
-                  <a:t>0       100     200     300     400     500     600   700</a:t>
-                </a:r>
-                <a:endParaRPr lang="en-US" sz="2400" dirty="0"/>
-              </a:p>
-            </p:txBody>
-          </p:sp>
-        </p:grpSp>
-        <mc:AlternateContent xmlns:mc="http://schemas.openxmlformats.org/markup-compatibility/2006">
-          <mc:Choice xmlns:a14="http://schemas.microsoft.com/office/drawing/2010/main" Requires="a14">
-            <p:sp>
-              <p:nvSpPr>
-                <p:cNvPr id="30" name="TextBox 29"/>
-                <p:cNvSpPr txBox="1"/>
-                <p:nvPr/>
-              </p:nvSpPr>
-              <p:spPr>
-                <a:xfrm rot="16200000">
-                  <a:off x="-587475" y="2345827"/>
-                  <a:ext cx="1774122" cy="496674"/>
-                </a:xfrm>
-                <a:prstGeom prst="rect">
-                  <a:avLst/>
-                </a:prstGeom>
-                <a:noFill/>
-              </p:spPr>
-              <p:txBody>
-                <a:bodyPr wrap="square" rtlCol="0">
-                  <a:spAutoFit/>
-                </a:bodyPr>
-                <a:lstStyle/>
-                <a:p>
-                  <a14:m>
-                    <m:oMath xmlns:m="http://schemas.openxmlformats.org/officeDocument/2006/math">
-                      <m:sSub>
-                        <m:sSubPr>
-                          <m:ctrlPr>
-                            <a:rPr lang="en-US" sz="2400" i="1">
-                              <a:latin typeface="Cambria Math" panose="02040503050406030204" pitchFamily="18" charset="0"/>
-                            </a:rPr>
-                          </m:ctrlPr>
-                        </m:sSubPr>
-                        <m:e>
-                          <m:r>
-                            <a:rPr lang="en-US" sz="2400" i="1">
-                              <a:latin typeface="Cambria Math" panose="02040503050406030204" pitchFamily="18" charset="0"/>
-                            </a:rPr>
-                            <m:t>𝑉</m:t>
-                          </m:r>
-                        </m:e>
-                        <m:sub>
-                          <m:r>
-                            <a:rPr lang="en-US" sz="2400" i="1">
-                              <a:latin typeface="Cambria Math" panose="02040503050406030204" pitchFamily="18" charset="0"/>
-                            </a:rPr>
-                            <m:t>𝑔𝑒𝑜h𝑜𝑛𝑒</m:t>
-                          </m:r>
-                        </m:sub>
-                      </m:sSub>
-                      <m:r>
-                        <a:rPr lang="en-US" sz="2400" i="1">
-                          <a:latin typeface="Cambria Math" panose="02040503050406030204" pitchFamily="18" charset="0"/>
-                        </a:rPr>
-                        <m:t> </m:t>
-                      </m:r>
-                    </m:oMath>
-                  </a14:m>
-                  <a:r>
-                    <a:rPr lang="en-US" sz="2400" dirty="0"/>
-                    <a:t>(V)</a:t>
-                  </a:r>
-                </a:p>
-              </p:txBody>
-            </p:sp>
-          </mc:Choice>
-          <mc:Fallback>
-            <p:sp>
-              <p:nvSpPr>
-                <p:cNvPr id="30" name="TextBox 29"/>
-                <p:cNvSpPr txBox="1">
-                  <a:spLocks noRot="1" noChangeAspect="1" noMove="1" noResize="1" noEditPoints="1" noAdjustHandles="1" noChangeArrowheads="1" noChangeShapeType="1" noTextEdit="1"/>
-                </p:cNvSpPr>
-                <p:nvPr/>
-              </p:nvSpPr>
-              <p:spPr>
-                <a:xfrm rot="16200000">
-                  <a:off x="-587475" y="2345827"/>
-                  <a:ext cx="1774122" cy="496674"/>
-                </a:xfrm>
-                <a:prstGeom prst="rect">
-                  <a:avLst/>
-                </a:prstGeom>
-                <a:blipFill rotWithShape="0">
-                  <a:blip r:embed="rId3"/>
-                  <a:stretch>
-                    <a:fillRect l="-8642" t="-1031" r="-22222" b="-687"/>
-                  </a:stretch>
-                </a:blipFill>
-              </p:spPr>
-              <p:txBody>
-                <a:bodyPr/>
-                <a:lstStyle/>
-                <a:p>
-                  <a:r>
-                    <a:rPr lang="en-US">
-                      <a:noFill/>
-                    </a:rPr>
-                    <a:t> </a:t>
-                  </a:r>
-                </a:p>
-              </p:txBody>
-            </p:sp>
-          </mc:Fallback>
-        </mc:AlternateContent>
-        <mc:AlternateContent xmlns:mc="http://schemas.openxmlformats.org/markup-compatibility/2006">
-          <mc:Choice xmlns:a14="http://schemas.microsoft.com/office/drawing/2010/main" Requires="a14">
-            <p:sp>
-              <p:nvSpPr>
-                <p:cNvPr id="31" name="TextBox 30"/>
-                <p:cNvSpPr txBox="1"/>
-                <p:nvPr/>
-              </p:nvSpPr>
-              <p:spPr>
-                <a:xfrm rot="16200000">
-                  <a:off x="-631983" y="6581712"/>
-                  <a:ext cx="1774122" cy="496674"/>
-                </a:xfrm>
-                <a:prstGeom prst="rect">
-                  <a:avLst/>
-                </a:prstGeom>
-                <a:noFill/>
-              </p:spPr>
-              <p:txBody>
-                <a:bodyPr wrap="square" rtlCol="0">
-                  <a:spAutoFit/>
-                </a:bodyPr>
-                <a:lstStyle/>
-                <a:p>
-                  <a14:m>
-                    <m:oMath xmlns:m="http://schemas.openxmlformats.org/officeDocument/2006/math">
-                      <m:sSub>
-                        <m:sSubPr>
-                          <m:ctrlPr>
-                            <a:rPr lang="en-US" sz="2400" i="1">
-                              <a:latin typeface="Cambria Math" panose="02040503050406030204" pitchFamily="18" charset="0"/>
-                            </a:rPr>
-                          </m:ctrlPr>
-                        </m:sSubPr>
-                        <m:e>
-                          <m:r>
-                            <a:rPr lang="en-US" sz="2400" i="1">
-                              <a:latin typeface="Cambria Math" panose="02040503050406030204" pitchFamily="18" charset="0"/>
-                            </a:rPr>
-                            <m:t>𝑉</m:t>
-                          </m:r>
-                        </m:e>
-                        <m:sub>
-                          <m:r>
-                            <a:rPr lang="en-US" sz="2400" i="1">
-                              <a:latin typeface="Cambria Math" panose="02040503050406030204" pitchFamily="18" charset="0"/>
-                            </a:rPr>
-                            <m:t>𝑔𝑒𝑜h𝑜𝑛𝑒</m:t>
-                          </m:r>
-                        </m:sub>
-                      </m:sSub>
-                      <m:r>
-                        <a:rPr lang="en-US" sz="2400" i="1">
-                          <a:latin typeface="Cambria Math" panose="02040503050406030204" pitchFamily="18" charset="0"/>
-                        </a:rPr>
-                        <m:t> </m:t>
-                      </m:r>
-                    </m:oMath>
-                  </a14:m>
-                  <a:r>
-                    <a:rPr lang="en-US" sz="2400" dirty="0"/>
-                    <a:t>(V)</a:t>
-                  </a:r>
-                </a:p>
-              </p:txBody>
-            </p:sp>
-          </mc:Choice>
-          <mc:Fallback>
-            <p:sp>
-              <p:nvSpPr>
-                <p:cNvPr id="31" name="TextBox 30"/>
-                <p:cNvSpPr txBox="1">
-                  <a:spLocks noRot="1" noChangeAspect="1" noMove="1" noResize="1" noEditPoints="1" noAdjustHandles="1" noChangeArrowheads="1" noChangeShapeType="1" noTextEdit="1"/>
-                </p:cNvSpPr>
-                <p:nvPr/>
-              </p:nvSpPr>
-              <p:spPr>
-                <a:xfrm rot="16200000">
-                  <a:off x="-631983" y="6581712"/>
-                  <a:ext cx="1774122" cy="496674"/>
-                </a:xfrm>
-                <a:prstGeom prst="rect">
-                  <a:avLst/>
-                </a:prstGeom>
-                <a:blipFill rotWithShape="0">
-                  <a:blip r:embed="rId4"/>
-                  <a:stretch>
-                    <a:fillRect l="-8537" t="-687" r="-20732" b="-1031"/>
-                  </a:stretch>
-                </a:blipFill>
-              </p:spPr>
-              <p:txBody>
-                <a:bodyPr/>
-                <a:lstStyle/>
-                <a:p>
-                  <a:r>
-                    <a:rPr lang="en-US">
-                      <a:noFill/>
-                    </a:rPr>
-                    <a:t> </a:t>
-                  </a:r>
-                </a:p>
-              </p:txBody>
-            </p:sp>
-          </mc:Fallback>
-        </mc:AlternateContent>
+            <a:prstGeom prst="rect">
+              <a:avLst/>
+            </a:prstGeom>
+            <a:noFill/>
+          </p:spPr>
+          <p:txBody>
+            <a:bodyPr wrap="square" rtlCol="0">
+              <a:spAutoFit/>
+            </a:bodyPr>
+            <a:lstStyle/>
+            <a:p>
+              <a:r>
+                <a:rPr lang="en-US" sz="2400" dirty="0"/>
+                <a:t>Time (</a:t>
+              </a:r>
+              <a:r>
+                <a:rPr lang="en-US" sz="2400" dirty="0" err="1"/>
+                <a:t>ms</a:t>
+              </a:r>
+              <a:r>
+                <a:rPr lang="en-US" sz="2400" dirty="0"/>
+                <a:t>)</a:t>
+              </a:r>
+            </a:p>
+          </p:txBody>
+        </p:sp>
+        <p:sp>
+          <p:nvSpPr>
+            <p:cNvPr id="35" name="TextBox 34"/>
+            <p:cNvSpPr txBox="1"/>
+            <p:nvPr/>
+          </p:nvSpPr>
+          <p:spPr>
+            <a:xfrm>
+              <a:off x="1767548" y="570854"/>
+              <a:ext cx="3328171" cy="461665"/>
+            </a:xfrm>
+            <a:prstGeom prst="rect">
+              <a:avLst/>
+            </a:prstGeom>
+            <a:noFill/>
+          </p:spPr>
+          <p:txBody>
+            <a:bodyPr wrap="square" rtlCol="0">
+              <a:spAutoFit/>
+            </a:bodyPr>
+            <a:lstStyle/>
+            <a:p>
+              <a:r>
+                <a:rPr lang="en-US" sz="2400" dirty="0" smtClean="0"/>
+                <a:t>Traditional System</a:t>
+              </a:r>
+              <a:endParaRPr lang="en-US" sz="2400" dirty="0"/>
+            </a:p>
+          </p:txBody>
+        </p:sp>
+        <p:sp>
+          <p:nvSpPr>
+            <p:cNvPr id="36" name="TextBox 35"/>
+            <p:cNvSpPr txBox="1"/>
+            <p:nvPr/>
+          </p:nvSpPr>
+          <p:spPr>
+            <a:xfrm>
+              <a:off x="118382" y="4971487"/>
+              <a:ext cx="7701560" cy="461665"/>
+            </a:xfrm>
+            <a:prstGeom prst="rect">
+              <a:avLst/>
+            </a:prstGeom>
+            <a:noFill/>
+          </p:spPr>
+          <p:txBody>
+            <a:bodyPr wrap="square" rtlCol="0">
+              <a:spAutoFit/>
+            </a:bodyPr>
+            <a:lstStyle/>
+            <a:p>
+              <a:r>
+                <a:rPr lang="en-US" sz="2400" dirty="0" err="1" smtClean="0"/>
+                <a:t>SeismicDart</a:t>
+              </a:r>
+              <a:r>
+                <a:rPr lang="en-US" sz="2400" dirty="0" smtClean="0"/>
+                <a:t> </a:t>
+              </a:r>
+              <a:r>
+                <a:rPr lang="en-US" sz="2400" dirty="0" smtClean="0"/>
+                <a:t>Autonomous </a:t>
+              </a:r>
+              <a:r>
+                <a:rPr lang="en-US" sz="2400" dirty="0" smtClean="0"/>
+                <a:t>Deployment System</a:t>
+              </a:r>
+              <a:endParaRPr lang="en-US" sz="2400" dirty="0"/>
+            </a:p>
+          </p:txBody>
+        </p:sp>
+        <p:sp>
+          <p:nvSpPr>
+            <p:cNvPr id="37" name="TextBox 36"/>
+            <p:cNvSpPr txBox="1"/>
+            <p:nvPr/>
+          </p:nvSpPr>
+          <p:spPr>
+            <a:xfrm>
+              <a:off x="0" y="9617350"/>
+              <a:ext cx="6054436" cy="461665"/>
+            </a:xfrm>
+            <a:prstGeom prst="rect">
+              <a:avLst/>
+            </a:prstGeom>
+            <a:noFill/>
+          </p:spPr>
+          <p:txBody>
+            <a:bodyPr wrap="square" rtlCol="0">
+              <a:spAutoFit/>
+            </a:bodyPr>
+            <a:lstStyle/>
+            <a:p>
+              <a:r>
+                <a:rPr lang="en-US" sz="2400" dirty="0" smtClean="0"/>
+                <a:t>0       100     200     300     400     500     600   700</a:t>
+              </a:r>
+              <a:endParaRPr lang="en-US" sz="2400" dirty="0"/>
+            </a:p>
+          </p:txBody>
+        </p:sp>
       </p:grpSp>
+      <p:sp>
+        <p:nvSpPr>
+          <p:cNvPr id="12" name="TextBox 11"/>
+          <p:cNvSpPr txBox="1"/>
+          <p:nvPr/>
+        </p:nvSpPr>
+        <p:spPr>
+          <a:xfrm rot="16200000">
+            <a:off x="-713759" y="1799410"/>
+            <a:ext cx="1889183" cy="461665"/>
+          </a:xfrm>
+          <a:prstGeom prst="rect">
+            <a:avLst/>
+          </a:prstGeom>
+          <a:noFill/>
+        </p:spPr>
+        <p:txBody>
+          <a:bodyPr wrap="square" rtlCol="0">
+            <a:spAutoFit/>
+          </a:bodyPr>
+          <a:lstStyle/>
+          <a:p>
+            <a:r>
+              <a:rPr lang="en-US" sz="2400" i="1" dirty="0" err="1" smtClean="0"/>
+              <a:t>V</a:t>
+            </a:r>
+            <a:r>
+              <a:rPr lang="en-US" sz="2400" baseline="-25000" dirty="0" err="1" smtClean="0"/>
+              <a:t>geophone</a:t>
+            </a:r>
+            <a:r>
+              <a:rPr lang="en-US" sz="2400" dirty="0" smtClean="0"/>
+              <a:t>  (V)</a:t>
+            </a:r>
+            <a:r>
+              <a:rPr lang="en-US" sz="2400" baseline="-25000" dirty="0" smtClean="0"/>
+              <a:t>  </a:t>
+            </a:r>
+            <a:endParaRPr lang="en-US" sz="2400" dirty="0"/>
+          </a:p>
+        </p:txBody>
+      </p:sp>
+      <p:sp>
+        <p:nvSpPr>
+          <p:cNvPr id="13" name="TextBox 12"/>
+          <p:cNvSpPr txBox="1"/>
+          <p:nvPr/>
+        </p:nvSpPr>
+        <p:spPr>
+          <a:xfrm rot="16200000">
+            <a:off x="-713759" y="6560705"/>
+            <a:ext cx="1889183" cy="461665"/>
+          </a:xfrm>
+          <a:prstGeom prst="rect">
+            <a:avLst/>
+          </a:prstGeom>
+          <a:noFill/>
+        </p:spPr>
+        <p:txBody>
+          <a:bodyPr wrap="square" rtlCol="0">
+            <a:spAutoFit/>
+          </a:bodyPr>
+          <a:lstStyle/>
+          <a:p>
+            <a:r>
+              <a:rPr lang="en-US" sz="2400" i="1" dirty="0" err="1" smtClean="0"/>
+              <a:t>V</a:t>
+            </a:r>
+            <a:r>
+              <a:rPr lang="en-US" sz="2400" baseline="-25000" dirty="0" err="1" smtClean="0"/>
+              <a:t>geophone</a:t>
+            </a:r>
+            <a:r>
+              <a:rPr lang="en-US" sz="2400" dirty="0" smtClean="0"/>
+              <a:t>  (V)</a:t>
+            </a:r>
+            <a:r>
+              <a:rPr lang="en-US" sz="2400" baseline="-25000" dirty="0" smtClean="0"/>
+              <a:t>  </a:t>
+            </a:r>
+            <a:endParaRPr lang="en-US" sz="2400" dirty="0"/>
+          </a:p>
+        </p:txBody>
+      </p:sp>
     </p:spTree>
     <p:extLst>
       <p:ext uri="{BB962C8B-B14F-4D97-AF65-F5344CB8AC3E}">
@@ -3464,7 +3333,7 @@
     </a:clrScheme>
     <a:fontScheme name="Office Theme">
       <a:majorFont>
-        <a:latin typeface="Calibri Light" panose="020F0302020204030204"/>
+        <a:latin typeface="Calibri Light"/>
         <a:ea typeface=""/>
         <a:cs typeface=""/>
         <a:font script="Jpan" typeface="ＭＳ Ｐゴシック"/>
@@ -3499,7 +3368,7 @@
         <a:font script="Geor" typeface="Sylfaen"/>
       </a:majorFont>
       <a:minorFont>
-        <a:latin typeface="Calibri" panose="020F0502020204030204"/>
+        <a:latin typeface="Calibri"/>
         <a:ea typeface=""/>
         <a:cs typeface=""/>
         <a:font script="Jpan" typeface="ＭＳ Ｐゴシック"/>
@@ -3676,7 +3545,7 @@
   <a:extraClrSchemeLst/>
   <a:extLst>
     <a:ext uri="{05A4C25C-085E-4340-85A3-A5531E510DB2}">
-      <thm15:themeFamily xmlns:thm15="http://schemas.microsoft.com/office/thememl/2012/main" name="Office Theme" id="{62F939B6-93AF-4DB8-9C6B-D6C7DFDC589F}" vid="{4A3C46E8-61CC-4603-A589-7422A47A8E4A}"/>
+      <thm15:themeFamily xmlns:thm15="http://schemas.microsoft.com/office/thememl/2012/main" xmlns="" name="Office Theme" id="{62F939B6-93AF-4DB8-9C6B-D6C7DFDC589F}" vid="{4A3C46E8-61CC-4603-A589-7422A47A8E4A}"/>
     </a:ext>
   </a:extLst>
 </a:theme>

--- a/RA-L Hetro Sensors/pictures/shotgather_auto_drop.pptx
+++ b/RA-L Hetro Sensors/pictures/shotgather_auto_drop.pptx
@@ -106,7 +106,18 @@
   </p:defaultTextStyle>
   <p:extLst>
     <p:ext uri="{EFAFB233-063F-42B5-8137-9DF3F51BA10A}">
-      <p15:sldGuideLst xmlns:p15="http://schemas.microsoft.com/office/powerpoint/2012/main" xmlns=""/>
+      <p15:sldGuideLst xmlns:p15="http://schemas.microsoft.com/office/powerpoint/2012/main">
+        <p15:guide id="1" orient="horz" pos="3110">
+          <p15:clr>
+            <a:srgbClr val="A4A3A4"/>
+          </p15:clr>
+        </p15:guide>
+        <p15:guide id="2" pos="1987">
+          <p15:clr>
+            <a:srgbClr val="A4A3A4"/>
+          </p15:clr>
+        </p15:guide>
+      </p15:sldGuideLst>
     </p:ext>
   </p:extLst>
 </p:presentation>
@@ -243,7 +254,7 @@
           <a:p>
             <a:fld id="{B40AC1E3-6098-4FC5-AB3B-96AF947B43B2}" type="datetimeFigureOut">
               <a:rPr lang="en-US" smtClean="0"/>
-              <a:t>9/10/16</a:t>
+              <a:t>12/5/2016</a:t>
             </a:fld>
             <a:endParaRPr lang="en-US"/>
           </a:p>
@@ -413,7 +424,7 @@
           <a:p>
             <a:fld id="{B40AC1E3-6098-4FC5-AB3B-96AF947B43B2}" type="datetimeFigureOut">
               <a:rPr lang="en-US" smtClean="0"/>
-              <a:t>9/10/16</a:t>
+              <a:t>12/5/2016</a:t>
             </a:fld>
             <a:endParaRPr lang="en-US"/>
           </a:p>
@@ -593,7 +604,7 @@
           <a:p>
             <a:fld id="{B40AC1E3-6098-4FC5-AB3B-96AF947B43B2}" type="datetimeFigureOut">
               <a:rPr lang="en-US" smtClean="0"/>
-              <a:t>9/10/16</a:t>
+              <a:t>12/5/2016</a:t>
             </a:fld>
             <a:endParaRPr lang="en-US"/>
           </a:p>
@@ -763,7 +774,7 @@
           <a:p>
             <a:fld id="{B40AC1E3-6098-4FC5-AB3B-96AF947B43B2}" type="datetimeFigureOut">
               <a:rPr lang="en-US" smtClean="0"/>
-              <a:t>9/10/16</a:t>
+              <a:t>12/5/2016</a:t>
             </a:fld>
             <a:endParaRPr lang="en-US"/>
           </a:p>
@@ -1007,7 +1018,7 @@
           <a:p>
             <a:fld id="{B40AC1E3-6098-4FC5-AB3B-96AF947B43B2}" type="datetimeFigureOut">
               <a:rPr lang="en-US" smtClean="0"/>
-              <a:t>9/10/16</a:t>
+              <a:t>12/5/2016</a:t>
             </a:fld>
             <a:endParaRPr lang="en-US"/>
           </a:p>
@@ -1239,7 +1250,7 @@
           <a:p>
             <a:fld id="{B40AC1E3-6098-4FC5-AB3B-96AF947B43B2}" type="datetimeFigureOut">
               <a:rPr lang="en-US" smtClean="0"/>
-              <a:t>9/10/16</a:t>
+              <a:t>12/5/2016</a:t>
             </a:fld>
             <a:endParaRPr lang="en-US"/>
           </a:p>
@@ -1606,7 +1617,7 @@
           <a:p>
             <a:fld id="{B40AC1E3-6098-4FC5-AB3B-96AF947B43B2}" type="datetimeFigureOut">
               <a:rPr lang="en-US" smtClean="0"/>
-              <a:t>9/10/16</a:t>
+              <a:t>12/5/2016</a:t>
             </a:fld>
             <a:endParaRPr lang="en-US"/>
           </a:p>
@@ -1724,7 +1735,7 @@
           <a:p>
             <a:fld id="{B40AC1E3-6098-4FC5-AB3B-96AF947B43B2}" type="datetimeFigureOut">
               <a:rPr lang="en-US" smtClean="0"/>
-              <a:t>9/10/16</a:t>
+              <a:t>12/5/2016</a:t>
             </a:fld>
             <a:endParaRPr lang="en-US"/>
           </a:p>
@@ -1819,7 +1830,7 @@
           <a:p>
             <a:fld id="{B40AC1E3-6098-4FC5-AB3B-96AF947B43B2}" type="datetimeFigureOut">
               <a:rPr lang="en-US" smtClean="0"/>
-              <a:t>9/10/16</a:t>
+              <a:t>12/5/2016</a:t>
             </a:fld>
             <a:endParaRPr lang="en-US"/>
           </a:p>
@@ -2096,7 +2107,7 @@
           <a:p>
             <a:fld id="{B40AC1E3-6098-4FC5-AB3B-96AF947B43B2}" type="datetimeFigureOut">
               <a:rPr lang="en-US" smtClean="0"/>
-              <a:t>9/10/16</a:t>
+              <a:t>12/5/2016</a:t>
             </a:fld>
             <a:endParaRPr lang="en-US"/>
           </a:p>
@@ -2353,7 +2364,7 @@
           <a:p>
             <a:fld id="{B40AC1E3-6098-4FC5-AB3B-96AF947B43B2}" type="datetimeFigureOut">
               <a:rPr lang="en-US" smtClean="0"/>
-              <a:t>9/10/16</a:t>
+              <a:t>12/5/2016</a:t>
             </a:fld>
             <a:endParaRPr lang="en-US"/>
           </a:p>
@@ -2566,7 +2577,7 @@
           <a:p>
             <a:fld id="{B40AC1E3-6098-4FC5-AB3B-96AF947B43B2}" type="datetimeFigureOut">
               <a:rPr lang="en-US" smtClean="0"/>
-              <a:t>9/10/16</a:t>
+              <a:t>12/5/2016</a:t>
             </a:fld>
             <a:endParaRPr lang="en-US"/>
           </a:p>
@@ -2973,86 +2984,18 @@
       </p:grpSpPr>
       <p:grpSp>
         <p:nvGrpSpPr>
-          <p:cNvPr id="29" name="Group 28"/>
+          <p:cNvPr id="4" name="Group 3"/>
           <p:cNvGrpSpPr/>
           <p:nvPr/>
         </p:nvGrpSpPr>
         <p:grpSpPr>
           <a:xfrm>
-            <a:off x="311759" y="-76199"/>
-            <a:ext cx="7819942" cy="9925963"/>
-            <a:chOff x="0" y="570854"/>
-            <a:chExt cx="7819942" cy="9925963"/>
+            <a:off x="-43841" y="0"/>
+            <a:ext cx="6410036" cy="9849764"/>
+            <a:chOff x="-43841" y="0"/>
+            <a:chExt cx="6410036" cy="9849764"/>
           </a:xfrm>
         </p:grpSpPr>
-        <p:pic>
-          <p:nvPicPr>
-            <p:cNvPr id="32" name="Picture 31"/>
-            <p:cNvPicPr>
-              <a:picLocks noChangeAspect="1"/>
-            </p:cNvPicPr>
-            <p:nvPr/>
-          </p:nvPicPr>
-          <p:blipFill rotWithShape="1">
-            <a:blip r:embed="rId2" cstate="print">
-              <a:extLst>
-                <a:ext uri="{28A0092B-C50C-407E-A947-70E740481C1C}">
-                  <a14:useLocalDpi xmlns:a14="http://schemas.microsoft.com/office/drawing/2010/main" val="0"/>
-                </a:ext>
-              </a:extLst>
-            </a:blip>
-            <a:srcRect l="7417" t="7447" r="58323"/>
-            <a:stretch/>
-          </p:blipFill>
-          <p:spPr>
-            <a:xfrm rot="16200000">
-              <a:off x="901578" y="4711687"/>
-              <a:ext cx="4184197" cy="5627128"/>
-            </a:xfrm>
-            <a:prstGeom prst="rect">
-              <a:avLst/>
-            </a:prstGeom>
-            <a:ln w="12700">
-              <a:solidFill>
-                <a:schemeClr val="tx1"/>
-              </a:solidFill>
-            </a:ln>
-          </p:spPr>
-        </p:pic>
-        <p:pic>
-          <p:nvPicPr>
-            <p:cNvPr id="33" name="Picture 32"/>
-            <p:cNvPicPr>
-              <a:picLocks noChangeAspect="1"/>
-            </p:cNvPicPr>
-            <p:nvPr/>
-          </p:nvPicPr>
-          <p:blipFill rotWithShape="1">
-            <a:blip r:embed="rId2" cstate="print">
-              <a:extLst>
-                <a:ext uri="{28A0092B-C50C-407E-A947-70E740481C1C}">
-                  <a14:useLocalDpi xmlns:a14="http://schemas.microsoft.com/office/drawing/2010/main" val="0"/>
-                </a:ext>
-              </a:extLst>
-            </a:blip>
-            <a:srcRect l="60526" t="7580" r="6503"/>
-            <a:stretch/>
-          </p:blipFill>
-          <p:spPr>
-            <a:xfrm rot="16200000">
-              <a:off x="984336" y="192446"/>
-              <a:ext cx="4026694" cy="5619113"/>
-            </a:xfrm>
-            <a:prstGeom prst="rect">
-              <a:avLst/>
-            </a:prstGeom>
-            <a:ln w="12700">
-              <a:solidFill>
-                <a:schemeClr val="tx1"/>
-              </a:solidFill>
-            </a:ln>
-          </p:spPr>
-        </p:pic>
         <p:sp>
           <p:nvSpPr>
             <p:cNvPr id="34" name="TextBox 33"/>
@@ -3061,7 +3004,7 @@
           </p:nvSpPr>
           <p:spPr>
             <a:xfrm>
-              <a:off x="2375326" y="10035152"/>
+              <a:off x="2687085" y="9388099"/>
               <a:ext cx="1624266" cy="461665"/>
             </a:xfrm>
             <a:prstGeom prst="rect">
@@ -3098,8 +3041,8 @@
           </p:nvSpPr>
           <p:spPr>
             <a:xfrm>
-              <a:off x="1767548" y="570854"/>
-              <a:ext cx="3328171" cy="461665"/>
+              <a:off x="2010504" y="0"/>
+              <a:ext cx="2492693" cy="461665"/>
             </a:xfrm>
             <a:prstGeom prst="rect">
               <a:avLst/>
@@ -3128,8 +3071,8 @@
           </p:nvSpPr>
           <p:spPr>
             <a:xfrm>
-              <a:off x="118382" y="4971487"/>
-              <a:ext cx="7701560" cy="461665"/>
+              <a:off x="399685" y="4464039"/>
+              <a:ext cx="5878584" cy="461665"/>
             </a:xfrm>
             <a:prstGeom prst="rect">
               <a:avLst/>
@@ -3148,15 +3091,7 @@
               </a:r>
               <a:r>
                 <a:rPr lang="en-US" sz="2400" dirty="0" smtClean="0"/>
-                <a:t> </a:t>
-              </a:r>
-              <a:r>
-                <a:rPr lang="en-US" sz="2400" dirty="0" smtClean="0"/>
-                <a:t>Autonomous </a:t>
-              </a:r>
-              <a:r>
-                <a:rPr lang="en-US" sz="2400" dirty="0" smtClean="0"/>
-                <a:t>Deployment System</a:t>
+                <a:t> Autonomous Deployment System</a:t>
               </a:r>
               <a:endParaRPr lang="en-US" sz="2400" dirty="0"/>
             </a:p>
@@ -3170,7 +3105,7 @@
           </p:nvSpPr>
           <p:spPr>
             <a:xfrm>
-              <a:off x="0" y="9617350"/>
+              <a:off x="311759" y="8970297"/>
               <a:ext cx="6054436" cy="461665"/>
             </a:xfrm>
             <a:prstGeom prst="rect">
@@ -3192,91 +3127,149 @@
             </a:p>
           </p:txBody>
         </p:sp>
+        <p:sp>
+          <p:nvSpPr>
+            <p:cNvPr id="12" name="TextBox 11"/>
+            <p:cNvSpPr txBox="1"/>
+            <p:nvPr/>
+          </p:nvSpPr>
+          <p:spPr>
+            <a:xfrm rot="16200000">
+              <a:off x="-745281" y="2054447"/>
+              <a:ext cx="1889183" cy="461665"/>
+            </a:xfrm>
+            <a:prstGeom prst="rect">
+              <a:avLst/>
+            </a:prstGeom>
+            <a:noFill/>
+          </p:spPr>
+          <p:txBody>
+            <a:bodyPr wrap="square" rtlCol="0">
+              <a:spAutoFit/>
+            </a:bodyPr>
+            <a:lstStyle/>
+            <a:p>
+              <a:r>
+                <a:rPr lang="en-US" sz="2400" i="1" dirty="0" err="1" smtClean="0"/>
+                <a:t>V</a:t>
+              </a:r>
+              <a:r>
+                <a:rPr lang="en-US" sz="2400" baseline="-25000" dirty="0" err="1" smtClean="0"/>
+                <a:t>geophone</a:t>
+              </a:r>
+              <a:r>
+                <a:rPr lang="en-US" sz="2400" dirty="0" smtClean="0"/>
+                <a:t>  (V)</a:t>
+              </a:r>
+              <a:r>
+                <a:rPr lang="en-US" sz="2400" baseline="-25000" dirty="0" smtClean="0"/>
+                <a:t>  </a:t>
+              </a:r>
+              <a:endParaRPr lang="en-US" sz="2400" dirty="0"/>
+            </a:p>
+          </p:txBody>
+        </p:sp>
+        <p:sp>
+          <p:nvSpPr>
+            <p:cNvPr id="13" name="TextBox 12"/>
+            <p:cNvSpPr txBox="1"/>
+            <p:nvPr/>
+          </p:nvSpPr>
+          <p:spPr>
+            <a:xfrm rot="16200000">
+              <a:off x="-757600" y="6717168"/>
+              <a:ext cx="1889183" cy="461665"/>
+            </a:xfrm>
+            <a:prstGeom prst="rect">
+              <a:avLst/>
+            </a:prstGeom>
+            <a:noFill/>
+          </p:spPr>
+          <p:txBody>
+            <a:bodyPr wrap="square" rtlCol="0">
+              <a:spAutoFit/>
+            </a:bodyPr>
+            <a:lstStyle/>
+            <a:p>
+              <a:r>
+                <a:rPr lang="en-US" sz="2400" i="1" dirty="0" err="1" smtClean="0"/>
+                <a:t>V</a:t>
+              </a:r>
+              <a:r>
+                <a:rPr lang="en-US" sz="2400" baseline="-25000" dirty="0" err="1" smtClean="0"/>
+                <a:t>geophone</a:t>
+              </a:r>
+              <a:r>
+                <a:rPr lang="en-US" sz="2400" dirty="0" smtClean="0"/>
+                <a:t>  (V)</a:t>
+              </a:r>
+              <a:r>
+                <a:rPr lang="en-US" sz="2400" baseline="-25000" dirty="0" smtClean="0"/>
+                <a:t>  </a:t>
+              </a:r>
+              <a:endParaRPr lang="en-US" sz="2400" dirty="0"/>
+            </a:p>
+          </p:txBody>
+        </p:sp>
+        <p:pic>
+          <p:nvPicPr>
+            <p:cNvPr id="2" name="Picture 1"/>
+            <p:cNvPicPr>
+              <a:picLocks noChangeAspect="1"/>
+            </p:cNvPicPr>
+            <p:nvPr/>
+          </p:nvPicPr>
+          <p:blipFill rotWithShape="1">
+            <a:blip r:embed="rId2" cstate="print">
+              <a:extLst>
+                <a:ext uri="{28A0092B-C50C-407E-A947-70E740481C1C}">
+                  <a14:useLocalDpi xmlns:a14="http://schemas.microsoft.com/office/drawing/2010/main" val="0"/>
+                </a:ext>
+              </a:extLst>
+            </a:blip>
+            <a:srcRect l="10273" t="2595" r="58298"/>
+            <a:stretch/>
+          </p:blipFill>
+          <p:spPr>
+            <a:xfrm rot="16200000">
+              <a:off x="1345501" y="4063042"/>
+              <a:ext cx="3822700" cy="5653415"/>
+            </a:xfrm>
+            <a:prstGeom prst="rect">
+              <a:avLst/>
+            </a:prstGeom>
+          </p:spPr>
+        </p:pic>
+        <p:pic>
+          <p:nvPicPr>
+            <p:cNvPr id="14" name="Picture 13"/>
+            <p:cNvPicPr>
+              <a:picLocks noChangeAspect="1"/>
+            </p:cNvPicPr>
+            <p:nvPr/>
+          </p:nvPicPr>
+          <p:blipFill rotWithShape="1">
+            <a:blip r:embed="rId2" cstate="print">
+              <a:extLst>
+                <a:ext uri="{28A0092B-C50C-407E-A947-70E740481C1C}">
+                  <a14:useLocalDpi xmlns:a14="http://schemas.microsoft.com/office/drawing/2010/main" val="0"/>
+                </a:ext>
+              </a:extLst>
+            </a:blip>
+            <a:srcRect l="61711" t="2561" r="6958" b="985"/>
+            <a:stretch/>
+          </p:blipFill>
+          <p:spPr>
+            <a:xfrm rot="16200000">
+              <a:off x="1355158" y="-346643"/>
+              <a:ext cx="3809250" cy="5596234"/>
+            </a:xfrm>
+            <a:prstGeom prst="rect">
+              <a:avLst/>
+            </a:prstGeom>
+          </p:spPr>
+        </p:pic>
       </p:grpSp>
-      <p:sp>
-        <p:nvSpPr>
-          <p:cNvPr id="12" name="TextBox 11"/>
-          <p:cNvSpPr txBox="1"/>
-          <p:nvPr/>
-        </p:nvSpPr>
-        <p:spPr>
-          <a:xfrm rot="16200000">
-            <a:off x="-713759" y="1799410"/>
-            <a:ext cx="1889183" cy="461665"/>
-          </a:xfrm>
-          <a:prstGeom prst="rect">
-            <a:avLst/>
-          </a:prstGeom>
-          <a:noFill/>
-        </p:spPr>
-        <p:txBody>
-          <a:bodyPr wrap="square" rtlCol="0">
-            <a:spAutoFit/>
-          </a:bodyPr>
-          <a:lstStyle/>
-          <a:p>
-            <a:r>
-              <a:rPr lang="en-US" sz="2400" i="1" dirty="0" err="1" smtClean="0"/>
-              <a:t>V</a:t>
-            </a:r>
-            <a:r>
-              <a:rPr lang="en-US" sz="2400" baseline="-25000" dirty="0" err="1" smtClean="0"/>
-              <a:t>geophone</a:t>
-            </a:r>
-            <a:r>
-              <a:rPr lang="en-US" sz="2400" dirty="0" smtClean="0"/>
-              <a:t>  (V)</a:t>
-            </a:r>
-            <a:r>
-              <a:rPr lang="en-US" sz="2400" baseline="-25000" dirty="0" smtClean="0"/>
-              <a:t>  </a:t>
-            </a:r>
-            <a:endParaRPr lang="en-US" sz="2400" dirty="0"/>
-          </a:p>
-        </p:txBody>
-      </p:sp>
-      <p:sp>
-        <p:nvSpPr>
-          <p:cNvPr id="13" name="TextBox 12"/>
-          <p:cNvSpPr txBox="1"/>
-          <p:nvPr/>
-        </p:nvSpPr>
-        <p:spPr>
-          <a:xfrm rot="16200000">
-            <a:off x="-713759" y="6560705"/>
-            <a:ext cx="1889183" cy="461665"/>
-          </a:xfrm>
-          <a:prstGeom prst="rect">
-            <a:avLst/>
-          </a:prstGeom>
-          <a:noFill/>
-        </p:spPr>
-        <p:txBody>
-          <a:bodyPr wrap="square" rtlCol="0">
-            <a:spAutoFit/>
-          </a:bodyPr>
-          <a:lstStyle/>
-          <a:p>
-            <a:r>
-              <a:rPr lang="en-US" sz="2400" i="1" dirty="0" err="1" smtClean="0"/>
-              <a:t>V</a:t>
-            </a:r>
-            <a:r>
-              <a:rPr lang="en-US" sz="2400" baseline="-25000" dirty="0" err="1" smtClean="0"/>
-              <a:t>geophone</a:t>
-            </a:r>
-            <a:r>
-              <a:rPr lang="en-US" sz="2400" dirty="0" smtClean="0"/>
-              <a:t>  (V)</a:t>
-            </a:r>
-            <a:r>
-              <a:rPr lang="en-US" sz="2400" baseline="-25000" dirty="0" smtClean="0"/>
-              <a:t>  </a:t>
-            </a:r>
-            <a:endParaRPr lang="en-US" sz="2400" dirty="0"/>
-          </a:p>
-        </p:txBody>
-      </p:sp>
     </p:spTree>
     <p:extLst>
       <p:ext uri="{BB962C8B-B14F-4D97-AF65-F5344CB8AC3E}">
@@ -3545,7 +3538,7 @@
   <a:extraClrSchemeLst/>
   <a:extLst>
     <a:ext uri="{05A4C25C-085E-4340-85A3-A5531E510DB2}">
-      <thm15:themeFamily xmlns:thm15="http://schemas.microsoft.com/office/thememl/2012/main" xmlns="" name="Office Theme" id="{62F939B6-93AF-4DB8-9C6B-D6C7DFDC589F}" vid="{4A3C46E8-61CC-4603-A589-7422A47A8E4A}"/>
+      <thm15:themeFamily xmlns:thm15="http://schemas.microsoft.com/office/thememl/2012/main" name="Office Theme" id="{62F939B6-93AF-4DB8-9C6B-D6C7DFDC589F}" vid="{4A3C46E8-61CC-4603-A589-7422A47A8E4A}"/>
     </a:ext>
   </a:extLst>
 </a:theme>

--- a/RA-L Hetro Sensors/pictures/shotgather_auto_drop.pptx
+++ b/RA-L Hetro Sensors/pictures/shotgather_auto_drop.pptx
@@ -106,18 +106,7 @@
   </p:defaultTextStyle>
   <p:extLst>
     <p:ext uri="{EFAFB233-063F-42B5-8137-9DF3F51BA10A}">
-      <p15:sldGuideLst xmlns:p15="http://schemas.microsoft.com/office/powerpoint/2012/main">
-        <p15:guide id="1" orient="horz" pos="3110">
-          <p15:clr>
-            <a:srgbClr val="A4A3A4"/>
-          </p15:clr>
-        </p15:guide>
-        <p15:guide id="2" pos="1987">
-          <p15:clr>
-            <a:srgbClr val="A4A3A4"/>
-          </p15:clr>
-        </p15:guide>
-      </p15:sldGuideLst>
+      <p15:sldGuideLst xmlns:p15="http://schemas.microsoft.com/office/powerpoint/2012/main" xmlns=""/>
     </p:ext>
   </p:extLst>
 </p:presentation>
@@ -254,7 +243,7 @@
           <a:p>
             <a:fld id="{B40AC1E3-6098-4FC5-AB3B-96AF947B43B2}" type="datetimeFigureOut">
               <a:rPr lang="en-US" smtClean="0"/>
-              <a:t>12/5/2016</a:t>
+              <a:t>9/10/16</a:t>
             </a:fld>
             <a:endParaRPr lang="en-US"/>
           </a:p>
@@ -424,7 +413,7 @@
           <a:p>
             <a:fld id="{B40AC1E3-6098-4FC5-AB3B-96AF947B43B2}" type="datetimeFigureOut">
               <a:rPr lang="en-US" smtClean="0"/>
-              <a:t>12/5/2016</a:t>
+              <a:t>9/10/16</a:t>
             </a:fld>
             <a:endParaRPr lang="en-US"/>
           </a:p>
@@ -604,7 +593,7 @@
           <a:p>
             <a:fld id="{B40AC1E3-6098-4FC5-AB3B-96AF947B43B2}" type="datetimeFigureOut">
               <a:rPr lang="en-US" smtClean="0"/>
-              <a:t>12/5/2016</a:t>
+              <a:t>9/10/16</a:t>
             </a:fld>
             <a:endParaRPr lang="en-US"/>
           </a:p>
@@ -774,7 +763,7 @@
           <a:p>
             <a:fld id="{B40AC1E3-6098-4FC5-AB3B-96AF947B43B2}" type="datetimeFigureOut">
               <a:rPr lang="en-US" smtClean="0"/>
-              <a:t>12/5/2016</a:t>
+              <a:t>9/10/16</a:t>
             </a:fld>
             <a:endParaRPr lang="en-US"/>
           </a:p>
@@ -1018,7 +1007,7 @@
           <a:p>
             <a:fld id="{B40AC1E3-6098-4FC5-AB3B-96AF947B43B2}" type="datetimeFigureOut">
               <a:rPr lang="en-US" smtClean="0"/>
-              <a:t>12/5/2016</a:t>
+              <a:t>9/10/16</a:t>
             </a:fld>
             <a:endParaRPr lang="en-US"/>
           </a:p>
@@ -1250,7 +1239,7 @@
           <a:p>
             <a:fld id="{B40AC1E3-6098-4FC5-AB3B-96AF947B43B2}" type="datetimeFigureOut">
               <a:rPr lang="en-US" smtClean="0"/>
-              <a:t>12/5/2016</a:t>
+              <a:t>9/10/16</a:t>
             </a:fld>
             <a:endParaRPr lang="en-US"/>
           </a:p>
@@ -1617,7 +1606,7 @@
           <a:p>
             <a:fld id="{B40AC1E3-6098-4FC5-AB3B-96AF947B43B2}" type="datetimeFigureOut">
               <a:rPr lang="en-US" smtClean="0"/>
-              <a:t>12/5/2016</a:t>
+              <a:t>9/10/16</a:t>
             </a:fld>
             <a:endParaRPr lang="en-US"/>
           </a:p>
@@ -1735,7 +1724,7 @@
           <a:p>
             <a:fld id="{B40AC1E3-6098-4FC5-AB3B-96AF947B43B2}" type="datetimeFigureOut">
               <a:rPr lang="en-US" smtClean="0"/>
-              <a:t>12/5/2016</a:t>
+              <a:t>9/10/16</a:t>
             </a:fld>
             <a:endParaRPr lang="en-US"/>
           </a:p>
@@ -1830,7 +1819,7 @@
           <a:p>
             <a:fld id="{B40AC1E3-6098-4FC5-AB3B-96AF947B43B2}" type="datetimeFigureOut">
               <a:rPr lang="en-US" smtClean="0"/>
-              <a:t>12/5/2016</a:t>
+              <a:t>9/10/16</a:t>
             </a:fld>
             <a:endParaRPr lang="en-US"/>
           </a:p>
@@ -2107,7 +2096,7 @@
           <a:p>
             <a:fld id="{B40AC1E3-6098-4FC5-AB3B-96AF947B43B2}" type="datetimeFigureOut">
               <a:rPr lang="en-US" smtClean="0"/>
-              <a:t>12/5/2016</a:t>
+              <a:t>9/10/16</a:t>
             </a:fld>
             <a:endParaRPr lang="en-US"/>
           </a:p>
@@ -2364,7 +2353,7 @@
           <a:p>
             <a:fld id="{B40AC1E3-6098-4FC5-AB3B-96AF947B43B2}" type="datetimeFigureOut">
               <a:rPr lang="en-US" smtClean="0"/>
-              <a:t>12/5/2016</a:t>
+              <a:t>9/10/16</a:t>
             </a:fld>
             <a:endParaRPr lang="en-US"/>
           </a:p>
@@ -2577,7 +2566,7 @@
           <a:p>
             <a:fld id="{B40AC1E3-6098-4FC5-AB3B-96AF947B43B2}" type="datetimeFigureOut">
               <a:rPr lang="en-US" smtClean="0"/>
-              <a:t>12/5/2016</a:t>
+              <a:t>9/10/16</a:t>
             </a:fld>
             <a:endParaRPr lang="en-US"/>
           </a:p>
@@ -2984,18 +2973,86 @@
       </p:grpSpPr>
       <p:grpSp>
         <p:nvGrpSpPr>
-          <p:cNvPr id="4" name="Group 3"/>
+          <p:cNvPr id="29" name="Group 28"/>
           <p:cNvGrpSpPr/>
           <p:nvPr/>
         </p:nvGrpSpPr>
         <p:grpSpPr>
           <a:xfrm>
-            <a:off x="-43841" y="0"/>
-            <a:ext cx="6410036" cy="9849764"/>
-            <a:chOff x="-43841" y="0"/>
-            <a:chExt cx="6410036" cy="9849764"/>
+            <a:off x="311759" y="-76199"/>
+            <a:ext cx="7819942" cy="9925963"/>
+            <a:chOff x="0" y="570854"/>
+            <a:chExt cx="7819942" cy="9925963"/>
           </a:xfrm>
         </p:grpSpPr>
+        <p:pic>
+          <p:nvPicPr>
+            <p:cNvPr id="32" name="Picture 31"/>
+            <p:cNvPicPr>
+              <a:picLocks noChangeAspect="1"/>
+            </p:cNvPicPr>
+            <p:nvPr/>
+          </p:nvPicPr>
+          <p:blipFill rotWithShape="1">
+            <a:blip r:embed="rId2" cstate="print">
+              <a:extLst>
+                <a:ext uri="{28A0092B-C50C-407E-A947-70E740481C1C}">
+                  <a14:useLocalDpi xmlns:a14="http://schemas.microsoft.com/office/drawing/2010/main" val="0"/>
+                </a:ext>
+              </a:extLst>
+            </a:blip>
+            <a:srcRect l="7417" t="7447" r="58323"/>
+            <a:stretch/>
+          </p:blipFill>
+          <p:spPr>
+            <a:xfrm rot="16200000">
+              <a:off x="901578" y="4711687"/>
+              <a:ext cx="4184197" cy="5627128"/>
+            </a:xfrm>
+            <a:prstGeom prst="rect">
+              <a:avLst/>
+            </a:prstGeom>
+            <a:ln w="12700">
+              <a:solidFill>
+                <a:schemeClr val="tx1"/>
+              </a:solidFill>
+            </a:ln>
+          </p:spPr>
+        </p:pic>
+        <p:pic>
+          <p:nvPicPr>
+            <p:cNvPr id="33" name="Picture 32"/>
+            <p:cNvPicPr>
+              <a:picLocks noChangeAspect="1"/>
+            </p:cNvPicPr>
+            <p:nvPr/>
+          </p:nvPicPr>
+          <p:blipFill rotWithShape="1">
+            <a:blip r:embed="rId2" cstate="print">
+              <a:extLst>
+                <a:ext uri="{28A0092B-C50C-407E-A947-70E740481C1C}">
+                  <a14:useLocalDpi xmlns:a14="http://schemas.microsoft.com/office/drawing/2010/main" val="0"/>
+                </a:ext>
+              </a:extLst>
+            </a:blip>
+            <a:srcRect l="60526" t="7580" r="6503"/>
+            <a:stretch/>
+          </p:blipFill>
+          <p:spPr>
+            <a:xfrm rot="16200000">
+              <a:off x="984336" y="192446"/>
+              <a:ext cx="4026694" cy="5619113"/>
+            </a:xfrm>
+            <a:prstGeom prst="rect">
+              <a:avLst/>
+            </a:prstGeom>
+            <a:ln w="12700">
+              <a:solidFill>
+                <a:schemeClr val="tx1"/>
+              </a:solidFill>
+            </a:ln>
+          </p:spPr>
+        </p:pic>
         <p:sp>
           <p:nvSpPr>
             <p:cNvPr id="34" name="TextBox 33"/>
@@ -3004,7 +3061,7 @@
           </p:nvSpPr>
           <p:spPr>
             <a:xfrm>
-              <a:off x="2687085" y="9388099"/>
+              <a:off x="2375326" y="10035152"/>
               <a:ext cx="1624266" cy="461665"/>
             </a:xfrm>
             <a:prstGeom prst="rect">
@@ -3041,8 +3098,8 @@
           </p:nvSpPr>
           <p:spPr>
             <a:xfrm>
-              <a:off x="2010504" y="0"/>
-              <a:ext cx="2492693" cy="461665"/>
+              <a:off x="1767548" y="570854"/>
+              <a:ext cx="3328171" cy="461665"/>
             </a:xfrm>
             <a:prstGeom prst="rect">
               <a:avLst/>
@@ -3071,8 +3128,8 @@
           </p:nvSpPr>
           <p:spPr>
             <a:xfrm>
-              <a:off x="399685" y="4464039"/>
-              <a:ext cx="5878584" cy="461665"/>
+              <a:off x="118382" y="4971487"/>
+              <a:ext cx="7701560" cy="461665"/>
             </a:xfrm>
             <a:prstGeom prst="rect">
               <a:avLst/>
@@ -3091,7 +3148,15 @@
               </a:r>
               <a:r>
                 <a:rPr lang="en-US" sz="2400" dirty="0" smtClean="0"/>
-                <a:t> Autonomous Deployment System</a:t>
+                <a:t> </a:t>
+              </a:r>
+              <a:r>
+                <a:rPr lang="en-US" sz="2400" dirty="0" smtClean="0"/>
+                <a:t>Autonomous </a:t>
+              </a:r>
+              <a:r>
+                <a:rPr lang="en-US" sz="2400" dirty="0" smtClean="0"/>
+                <a:t>Deployment System</a:t>
               </a:r>
               <a:endParaRPr lang="en-US" sz="2400" dirty="0"/>
             </a:p>
@@ -3105,7 +3170,7 @@
           </p:nvSpPr>
           <p:spPr>
             <a:xfrm>
-              <a:off x="311759" y="8970297"/>
+              <a:off x="0" y="9617350"/>
               <a:ext cx="6054436" cy="461665"/>
             </a:xfrm>
             <a:prstGeom prst="rect">
@@ -3127,149 +3192,91 @@
             </a:p>
           </p:txBody>
         </p:sp>
-        <p:sp>
-          <p:nvSpPr>
-            <p:cNvPr id="12" name="TextBox 11"/>
-            <p:cNvSpPr txBox="1"/>
-            <p:nvPr/>
-          </p:nvSpPr>
-          <p:spPr>
-            <a:xfrm rot="16200000">
-              <a:off x="-745281" y="2054447"/>
-              <a:ext cx="1889183" cy="461665"/>
-            </a:xfrm>
-            <a:prstGeom prst="rect">
-              <a:avLst/>
-            </a:prstGeom>
-            <a:noFill/>
-          </p:spPr>
-          <p:txBody>
-            <a:bodyPr wrap="square" rtlCol="0">
-              <a:spAutoFit/>
-            </a:bodyPr>
-            <a:lstStyle/>
-            <a:p>
-              <a:r>
-                <a:rPr lang="en-US" sz="2400" i="1" dirty="0" err="1" smtClean="0"/>
-                <a:t>V</a:t>
-              </a:r>
-              <a:r>
-                <a:rPr lang="en-US" sz="2400" baseline="-25000" dirty="0" err="1" smtClean="0"/>
-                <a:t>geophone</a:t>
-              </a:r>
-              <a:r>
-                <a:rPr lang="en-US" sz="2400" dirty="0" smtClean="0"/>
-                <a:t>  (V)</a:t>
-              </a:r>
-              <a:r>
-                <a:rPr lang="en-US" sz="2400" baseline="-25000" dirty="0" smtClean="0"/>
-                <a:t>  </a:t>
-              </a:r>
-              <a:endParaRPr lang="en-US" sz="2400" dirty="0"/>
-            </a:p>
-          </p:txBody>
-        </p:sp>
-        <p:sp>
-          <p:nvSpPr>
-            <p:cNvPr id="13" name="TextBox 12"/>
-            <p:cNvSpPr txBox="1"/>
-            <p:nvPr/>
-          </p:nvSpPr>
-          <p:spPr>
-            <a:xfrm rot="16200000">
-              <a:off x="-757600" y="6717168"/>
-              <a:ext cx="1889183" cy="461665"/>
-            </a:xfrm>
-            <a:prstGeom prst="rect">
-              <a:avLst/>
-            </a:prstGeom>
-            <a:noFill/>
-          </p:spPr>
-          <p:txBody>
-            <a:bodyPr wrap="square" rtlCol="0">
-              <a:spAutoFit/>
-            </a:bodyPr>
-            <a:lstStyle/>
-            <a:p>
-              <a:r>
-                <a:rPr lang="en-US" sz="2400" i="1" dirty="0" err="1" smtClean="0"/>
-                <a:t>V</a:t>
-              </a:r>
-              <a:r>
-                <a:rPr lang="en-US" sz="2400" baseline="-25000" dirty="0" err="1" smtClean="0"/>
-                <a:t>geophone</a:t>
-              </a:r>
-              <a:r>
-                <a:rPr lang="en-US" sz="2400" dirty="0" smtClean="0"/>
-                <a:t>  (V)</a:t>
-              </a:r>
-              <a:r>
-                <a:rPr lang="en-US" sz="2400" baseline="-25000" dirty="0" smtClean="0"/>
-                <a:t>  </a:t>
-              </a:r>
-              <a:endParaRPr lang="en-US" sz="2400" dirty="0"/>
-            </a:p>
-          </p:txBody>
-        </p:sp>
-        <p:pic>
-          <p:nvPicPr>
-            <p:cNvPr id="2" name="Picture 1"/>
-            <p:cNvPicPr>
-              <a:picLocks noChangeAspect="1"/>
-            </p:cNvPicPr>
-            <p:nvPr/>
-          </p:nvPicPr>
-          <p:blipFill rotWithShape="1">
-            <a:blip r:embed="rId2" cstate="print">
-              <a:extLst>
-                <a:ext uri="{28A0092B-C50C-407E-A947-70E740481C1C}">
-                  <a14:useLocalDpi xmlns:a14="http://schemas.microsoft.com/office/drawing/2010/main" val="0"/>
-                </a:ext>
-              </a:extLst>
-            </a:blip>
-            <a:srcRect l="10273" t="2595" r="58298"/>
-            <a:stretch/>
-          </p:blipFill>
-          <p:spPr>
-            <a:xfrm rot="16200000">
-              <a:off x="1345501" y="4063042"/>
-              <a:ext cx="3822700" cy="5653415"/>
-            </a:xfrm>
-            <a:prstGeom prst="rect">
-              <a:avLst/>
-            </a:prstGeom>
-          </p:spPr>
-        </p:pic>
-        <p:pic>
-          <p:nvPicPr>
-            <p:cNvPr id="14" name="Picture 13"/>
-            <p:cNvPicPr>
-              <a:picLocks noChangeAspect="1"/>
-            </p:cNvPicPr>
-            <p:nvPr/>
-          </p:nvPicPr>
-          <p:blipFill rotWithShape="1">
-            <a:blip r:embed="rId2" cstate="print">
-              <a:extLst>
-                <a:ext uri="{28A0092B-C50C-407E-A947-70E740481C1C}">
-                  <a14:useLocalDpi xmlns:a14="http://schemas.microsoft.com/office/drawing/2010/main" val="0"/>
-                </a:ext>
-              </a:extLst>
-            </a:blip>
-            <a:srcRect l="61711" t="2561" r="6958" b="985"/>
-            <a:stretch/>
-          </p:blipFill>
-          <p:spPr>
-            <a:xfrm rot="16200000">
-              <a:off x="1355158" y="-346643"/>
-              <a:ext cx="3809250" cy="5596234"/>
-            </a:xfrm>
-            <a:prstGeom prst="rect">
-              <a:avLst/>
-            </a:prstGeom>
-          </p:spPr>
-        </p:pic>
       </p:grpSp>
+      <p:sp>
+        <p:nvSpPr>
+          <p:cNvPr id="12" name="TextBox 11"/>
+          <p:cNvSpPr txBox="1"/>
+          <p:nvPr/>
+        </p:nvSpPr>
+        <p:spPr>
+          <a:xfrm rot="16200000">
+            <a:off x="-713759" y="1799410"/>
+            <a:ext cx="1889183" cy="461665"/>
+          </a:xfrm>
+          <a:prstGeom prst="rect">
+            <a:avLst/>
+          </a:prstGeom>
+          <a:noFill/>
+        </p:spPr>
+        <p:txBody>
+          <a:bodyPr wrap="square" rtlCol="0">
+            <a:spAutoFit/>
+          </a:bodyPr>
+          <a:lstStyle/>
+          <a:p>
+            <a:r>
+              <a:rPr lang="en-US" sz="2400" i="1" dirty="0" err="1" smtClean="0"/>
+              <a:t>V</a:t>
+            </a:r>
+            <a:r>
+              <a:rPr lang="en-US" sz="2400" baseline="-25000" dirty="0" err="1" smtClean="0"/>
+              <a:t>geophone</a:t>
+            </a:r>
+            <a:r>
+              <a:rPr lang="en-US" sz="2400" dirty="0" smtClean="0"/>
+              <a:t>  (V)</a:t>
+            </a:r>
+            <a:r>
+              <a:rPr lang="en-US" sz="2400" baseline="-25000" dirty="0" smtClean="0"/>
+              <a:t>  </a:t>
+            </a:r>
+            <a:endParaRPr lang="en-US" sz="2400" dirty="0"/>
+          </a:p>
+        </p:txBody>
+      </p:sp>
+      <p:sp>
+        <p:nvSpPr>
+          <p:cNvPr id="13" name="TextBox 12"/>
+          <p:cNvSpPr txBox="1"/>
+          <p:nvPr/>
+        </p:nvSpPr>
+        <p:spPr>
+          <a:xfrm rot="16200000">
+            <a:off x="-713759" y="6560705"/>
+            <a:ext cx="1889183" cy="461665"/>
+          </a:xfrm>
+          <a:prstGeom prst="rect">
+            <a:avLst/>
+          </a:prstGeom>
+          <a:noFill/>
+        </p:spPr>
+        <p:txBody>
+          <a:bodyPr wrap="square" rtlCol="0">
+            <a:spAutoFit/>
+          </a:bodyPr>
+          <a:lstStyle/>
+          <a:p>
+            <a:r>
+              <a:rPr lang="en-US" sz="2400" i="1" dirty="0" err="1" smtClean="0"/>
+              <a:t>V</a:t>
+            </a:r>
+            <a:r>
+              <a:rPr lang="en-US" sz="2400" baseline="-25000" dirty="0" err="1" smtClean="0"/>
+              <a:t>geophone</a:t>
+            </a:r>
+            <a:r>
+              <a:rPr lang="en-US" sz="2400" dirty="0" smtClean="0"/>
+              <a:t>  (V)</a:t>
+            </a:r>
+            <a:r>
+              <a:rPr lang="en-US" sz="2400" baseline="-25000" dirty="0" smtClean="0"/>
+              <a:t>  </a:t>
+            </a:r>
+            <a:endParaRPr lang="en-US" sz="2400" dirty="0"/>
+          </a:p>
+        </p:txBody>
+      </p:sp>
     </p:spTree>
     <p:extLst>
       <p:ext uri="{BB962C8B-B14F-4D97-AF65-F5344CB8AC3E}">
@@ -3538,7 +3545,7 @@
   <a:extraClrSchemeLst/>
   <a:extLst>
     <a:ext uri="{05A4C25C-085E-4340-85A3-A5531E510DB2}">
-      <thm15:themeFamily xmlns:thm15="http://schemas.microsoft.com/office/thememl/2012/main" name="Office Theme" id="{62F939B6-93AF-4DB8-9C6B-D6C7DFDC589F}" vid="{4A3C46E8-61CC-4603-A589-7422A47A8E4A}"/>
+      <thm15:themeFamily xmlns:thm15="http://schemas.microsoft.com/office/thememl/2012/main" xmlns="" name="Office Theme" id="{62F939B6-93AF-4DB8-9C6B-D6C7DFDC589F}" vid="{4A3C46E8-61CC-4603-A589-7422A47A8E4A}"/>
     </a:ext>
   </a:extLst>
 </a:theme>
